--- a/images/futures-flowpools-diagrams.pptx
+++ b/images/futures-flowpools-diagrams.pptx
@@ -7,6 +7,9 @@
   <p:sldIdLst>
     <p:sldId id="256" r:id="rId2"/>
     <p:sldId id="257" r:id="rId3"/>
+    <p:sldId id="258" r:id="rId4"/>
+    <p:sldId id="259" r:id="rId5"/>
+    <p:sldId id="260" r:id="rId6"/>
   </p:sldIdLst>
   <p:sldSz cx="9144000" cy="6858000" type="screen4x3"/>
   <p:notesSz cx="6858000" cy="9144000"/>
@@ -3733,54 +3736,6 @@
       </p:sp>
       <p:sp>
         <p:nvSpPr>
-          <p:cNvPr id="15" name="Rectangle 14"/>
-          <p:cNvSpPr/>
-          <p:nvPr/>
-        </p:nvSpPr>
-        <p:spPr>
-          <a:xfrm>
-            <a:off x="2663568" y="2340765"/>
-            <a:ext cx="2896486" cy="797485"/>
-          </a:xfrm>
-          <a:prstGeom prst="rect">
-            <a:avLst/>
-          </a:prstGeom>
-          <a:solidFill>
-            <a:schemeClr val="accent2"/>
-          </a:solidFill>
-          <a:ln>
-            <a:solidFill>
-              <a:schemeClr val="accent2"/>
-            </a:solidFill>
-          </a:ln>
-        </p:spPr>
-        <p:style>
-          <a:lnRef idx="2">
-            <a:schemeClr val="accent3">
-              <a:shade val="50000"/>
-            </a:schemeClr>
-          </a:lnRef>
-          <a:fillRef idx="1">
-            <a:schemeClr val="accent3"/>
-          </a:fillRef>
-          <a:effectRef idx="0">
-            <a:schemeClr val="accent3"/>
-          </a:effectRef>
-          <a:fontRef idx="minor">
-            <a:schemeClr val="lt1"/>
-          </a:fontRef>
-        </p:style>
-        <p:txBody>
-          <a:bodyPr rtlCol="0" anchor="ctr"/>
-          <a:lstStyle/>
-          <a:p>
-            <a:pPr algn="ctr"/>
-            <a:endParaRPr lang="en-US"/>
-          </a:p>
-        </p:txBody>
-      </p:sp>
-      <p:sp>
-        <p:nvSpPr>
           <p:cNvPr id="11" name="Oval 10"/>
           <p:cNvSpPr/>
           <p:nvPr/>
@@ -4565,6 +4520,5858 @@
     <p:extLst>
       <p:ext uri="{BB962C8B-B14F-4D97-AF65-F5344CB8AC3E}">
         <p14:creationId xmlns:p14="http://schemas.microsoft.com/office/powerpoint/2010/main" val="2088275342"/>
+      </p:ext>
+    </p:extLst>
+  </p:cSld>
+  <p:clrMapOvr>
+    <a:masterClrMapping/>
+  </p:clrMapOvr>
+</p:sld>
+</file>
+
+<file path=ppt/slides/slide3.xml><?xml version="1.0" encoding="utf-8"?>
+<p:sld xmlns:a="http://schemas.openxmlformats.org/drawingml/2006/main" xmlns:r="http://schemas.openxmlformats.org/officeDocument/2006/relationships" xmlns:p="http://schemas.openxmlformats.org/presentationml/2006/main">
+  <p:cSld>
+    <p:spTree>
+      <p:nvGrpSpPr>
+        <p:cNvPr id="1" name=""/>
+        <p:cNvGrpSpPr/>
+        <p:nvPr/>
+      </p:nvGrpSpPr>
+      <p:grpSpPr>
+        <a:xfrm>
+          <a:off x="0" y="0"/>
+          <a:ext cx="0" cy="0"/>
+          <a:chOff x="0" y="0"/>
+          <a:chExt cx="0" cy="0"/>
+        </a:xfrm>
+      </p:grpSpPr>
+      <p:sp>
+        <p:nvSpPr>
+          <p:cNvPr id="9" name="Oval 8"/>
+          <p:cNvSpPr/>
+          <p:nvPr/>
+        </p:nvSpPr>
+        <p:spPr>
+          <a:xfrm>
+            <a:off x="4938128" y="3818242"/>
+            <a:ext cx="132915" cy="132915"/>
+          </a:xfrm>
+          <a:prstGeom prst="ellipse">
+            <a:avLst/>
+          </a:prstGeom>
+        </p:spPr>
+        <p:style>
+          <a:lnRef idx="2">
+            <a:schemeClr val="dk1"/>
+          </a:lnRef>
+          <a:fillRef idx="1">
+            <a:schemeClr val="lt1"/>
+          </a:fillRef>
+          <a:effectRef idx="0">
+            <a:schemeClr val="dk1"/>
+          </a:effectRef>
+          <a:fontRef idx="minor">
+            <a:schemeClr val="dk1"/>
+          </a:fontRef>
+        </p:style>
+        <p:txBody>
+          <a:bodyPr rtlCol="0" anchor="ctr"/>
+          <a:lstStyle/>
+          <a:p>
+            <a:pPr algn="ctr"/>
+            <a:endParaRPr lang="en-US"/>
+          </a:p>
+        </p:txBody>
+      </p:sp>
+      <p:sp>
+        <p:nvSpPr>
+          <p:cNvPr id="4" name="Pentagon 3"/>
+          <p:cNvSpPr/>
+          <p:nvPr/>
+        </p:nvSpPr>
+        <p:spPr>
+          <a:xfrm>
+            <a:off x="1380783" y="2340765"/>
+            <a:ext cx="6195067" cy="797485"/>
+          </a:xfrm>
+          <a:prstGeom prst="homePlate">
+            <a:avLst/>
+          </a:prstGeom>
+        </p:spPr>
+        <p:style>
+          <a:lnRef idx="2">
+            <a:schemeClr val="accent3">
+              <a:shade val="50000"/>
+            </a:schemeClr>
+          </a:lnRef>
+          <a:fillRef idx="1">
+            <a:schemeClr val="accent3"/>
+          </a:fillRef>
+          <a:effectRef idx="0">
+            <a:schemeClr val="accent3"/>
+          </a:effectRef>
+          <a:fontRef idx="minor">
+            <a:schemeClr val="lt1"/>
+          </a:fontRef>
+        </p:style>
+        <p:txBody>
+          <a:bodyPr rtlCol="0" anchor="ctr"/>
+          <a:lstStyle/>
+          <a:p>
+            <a:pPr algn="ctr"/>
+            <a:endParaRPr lang="en-US"/>
+          </a:p>
+        </p:txBody>
+      </p:sp>
+      <p:sp>
+        <p:nvSpPr>
+          <p:cNvPr id="5" name="Rectangle 4"/>
+          <p:cNvSpPr/>
+          <p:nvPr/>
+        </p:nvSpPr>
+        <p:spPr>
+          <a:xfrm>
+            <a:off x="2303766" y="3536992"/>
+            <a:ext cx="2215162" cy="797485"/>
+          </a:xfrm>
+          <a:prstGeom prst="rect">
+            <a:avLst/>
+          </a:prstGeom>
+        </p:spPr>
+        <p:style>
+          <a:lnRef idx="2">
+            <a:schemeClr val="accent3">
+              <a:shade val="50000"/>
+            </a:schemeClr>
+          </a:lnRef>
+          <a:fillRef idx="1">
+            <a:schemeClr val="accent3"/>
+          </a:fillRef>
+          <a:effectRef idx="0">
+            <a:schemeClr val="accent3"/>
+          </a:effectRef>
+          <a:fontRef idx="minor">
+            <a:schemeClr val="lt1"/>
+          </a:fontRef>
+        </p:style>
+        <p:txBody>
+          <a:bodyPr rtlCol="0" anchor="ctr"/>
+          <a:lstStyle/>
+          <a:p>
+            <a:pPr algn="ctr"/>
+            <a:endParaRPr lang="en-US"/>
+          </a:p>
+        </p:txBody>
+      </p:sp>
+      <p:sp>
+        <p:nvSpPr>
+          <p:cNvPr id="6" name="Rectangle 5"/>
+          <p:cNvSpPr/>
+          <p:nvPr/>
+        </p:nvSpPr>
+        <p:spPr>
+          <a:xfrm>
+            <a:off x="2303766" y="1141881"/>
+            <a:ext cx="3256288" cy="797485"/>
+          </a:xfrm>
+          <a:prstGeom prst="rect">
+            <a:avLst/>
+          </a:prstGeom>
+        </p:spPr>
+        <p:style>
+          <a:lnRef idx="2">
+            <a:schemeClr val="accent3">
+              <a:shade val="50000"/>
+            </a:schemeClr>
+          </a:lnRef>
+          <a:fillRef idx="1">
+            <a:schemeClr val="accent3"/>
+          </a:fillRef>
+          <a:effectRef idx="0">
+            <a:schemeClr val="accent3"/>
+          </a:effectRef>
+          <a:fontRef idx="minor">
+            <a:schemeClr val="lt1"/>
+          </a:fontRef>
+        </p:style>
+        <p:txBody>
+          <a:bodyPr rtlCol="0" anchor="ctr"/>
+          <a:lstStyle/>
+          <a:p>
+            <a:pPr algn="ctr"/>
+            <a:endParaRPr lang="en-US"/>
+          </a:p>
+        </p:txBody>
+      </p:sp>
+      <p:sp>
+        <p:nvSpPr>
+          <p:cNvPr id="7" name="Oval 6"/>
+          <p:cNvSpPr/>
+          <p:nvPr/>
+        </p:nvSpPr>
+        <p:spPr>
+          <a:xfrm>
+            <a:off x="4938128" y="3358392"/>
+            <a:ext cx="132915" cy="132915"/>
+          </a:xfrm>
+          <a:prstGeom prst="ellipse">
+            <a:avLst/>
+          </a:prstGeom>
+        </p:spPr>
+        <p:style>
+          <a:lnRef idx="2">
+            <a:schemeClr val="dk1"/>
+          </a:lnRef>
+          <a:fillRef idx="1">
+            <a:schemeClr val="lt1"/>
+          </a:fillRef>
+          <a:effectRef idx="0">
+            <a:schemeClr val="dk1"/>
+          </a:effectRef>
+          <a:fontRef idx="minor">
+            <a:schemeClr val="dk1"/>
+          </a:fontRef>
+        </p:style>
+        <p:txBody>
+          <a:bodyPr rtlCol="0" anchor="ctr"/>
+          <a:lstStyle/>
+          <a:p>
+            <a:pPr algn="ctr"/>
+            <a:endParaRPr lang="en-US"/>
+          </a:p>
+        </p:txBody>
+      </p:sp>
+      <p:sp>
+        <p:nvSpPr>
+          <p:cNvPr id="8" name="Oval 7"/>
+          <p:cNvSpPr/>
+          <p:nvPr/>
+        </p:nvSpPr>
+        <p:spPr>
+          <a:xfrm>
+            <a:off x="4967664" y="3847788"/>
+            <a:ext cx="73850" cy="73850"/>
+          </a:xfrm>
+          <a:prstGeom prst="ellipse">
+            <a:avLst/>
+          </a:prstGeom>
+          <a:ln>
+            <a:noFill/>
+          </a:ln>
+        </p:spPr>
+        <p:style>
+          <a:lnRef idx="2">
+            <a:schemeClr val="dk1">
+              <a:shade val="50000"/>
+            </a:schemeClr>
+          </a:lnRef>
+          <a:fillRef idx="1">
+            <a:schemeClr val="dk1"/>
+          </a:fillRef>
+          <a:effectRef idx="0">
+            <a:schemeClr val="dk1"/>
+          </a:effectRef>
+          <a:fontRef idx="minor">
+            <a:schemeClr val="lt1"/>
+          </a:fontRef>
+        </p:style>
+        <p:txBody>
+          <a:bodyPr rtlCol="0" anchor="ctr"/>
+          <a:lstStyle/>
+          <a:p>
+            <a:pPr algn="ctr"/>
+            <a:endParaRPr lang="en-US"/>
+          </a:p>
+        </p:txBody>
+      </p:sp>
+      <p:sp>
+        <p:nvSpPr>
+          <p:cNvPr id="10" name="Oval 9"/>
+          <p:cNvSpPr/>
+          <p:nvPr/>
+        </p:nvSpPr>
+        <p:spPr>
+          <a:xfrm>
+            <a:off x="4938128" y="3594444"/>
+            <a:ext cx="132915" cy="132915"/>
+          </a:xfrm>
+          <a:prstGeom prst="ellipse">
+            <a:avLst/>
+          </a:prstGeom>
+        </p:spPr>
+        <p:style>
+          <a:lnRef idx="2">
+            <a:schemeClr val="dk1">
+              <a:shade val="50000"/>
+            </a:schemeClr>
+          </a:lnRef>
+          <a:fillRef idx="1">
+            <a:schemeClr val="dk1"/>
+          </a:fillRef>
+          <a:effectRef idx="0">
+            <a:schemeClr val="dk1"/>
+          </a:effectRef>
+          <a:fontRef idx="minor">
+            <a:schemeClr val="lt1"/>
+          </a:fontRef>
+        </p:style>
+        <p:txBody>
+          <a:bodyPr rtlCol="0" anchor="ctr"/>
+          <a:lstStyle/>
+          <a:p>
+            <a:pPr algn="ctr"/>
+            <a:endParaRPr lang="en-US"/>
+          </a:p>
+        </p:txBody>
+      </p:sp>
+      <p:sp>
+        <p:nvSpPr>
+          <p:cNvPr id="15" name="Rectangle 14"/>
+          <p:cNvSpPr/>
+          <p:nvPr/>
+        </p:nvSpPr>
+        <p:spPr>
+          <a:xfrm>
+            <a:off x="2663568" y="2340765"/>
+            <a:ext cx="2896486" cy="797485"/>
+          </a:xfrm>
+          <a:prstGeom prst="rect">
+            <a:avLst/>
+          </a:prstGeom>
+          <a:solidFill>
+            <a:schemeClr val="accent2"/>
+          </a:solidFill>
+          <a:ln>
+            <a:solidFill>
+              <a:schemeClr val="accent2"/>
+            </a:solidFill>
+          </a:ln>
+        </p:spPr>
+        <p:style>
+          <a:lnRef idx="2">
+            <a:schemeClr val="accent3">
+              <a:shade val="50000"/>
+            </a:schemeClr>
+          </a:lnRef>
+          <a:fillRef idx="1">
+            <a:schemeClr val="accent3"/>
+          </a:fillRef>
+          <a:effectRef idx="0">
+            <a:schemeClr val="accent3"/>
+          </a:effectRef>
+          <a:fontRef idx="minor">
+            <a:schemeClr val="lt1"/>
+          </a:fontRef>
+        </p:style>
+        <p:txBody>
+          <a:bodyPr rtlCol="0" anchor="ctr"/>
+          <a:lstStyle/>
+          <a:p>
+            <a:pPr algn="ctr"/>
+            <a:endParaRPr lang="en-US"/>
+          </a:p>
+        </p:txBody>
+      </p:sp>
+      <p:sp>
+        <p:nvSpPr>
+          <p:cNvPr id="11" name="Oval 10"/>
+          <p:cNvSpPr/>
+          <p:nvPr/>
+        </p:nvSpPr>
+        <p:spPr>
+          <a:xfrm>
+            <a:off x="5493596" y="2487261"/>
+            <a:ext cx="132915" cy="132915"/>
+          </a:xfrm>
+          <a:prstGeom prst="ellipse">
+            <a:avLst/>
+          </a:prstGeom>
+        </p:spPr>
+        <p:style>
+          <a:lnRef idx="2">
+            <a:schemeClr val="dk1"/>
+          </a:lnRef>
+          <a:fillRef idx="1">
+            <a:schemeClr val="lt1"/>
+          </a:fillRef>
+          <a:effectRef idx="0">
+            <a:schemeClr val="dk1"/>
+          </a:effectRef>
+          <a:fontRef idx="minor">
+            <a:schemeClr val="dk1"/>
+          </a:fontRef>
+        </p:style>
+        <p:txBody>
+          <a:bodyPr rtlCol="0" anchor="ctr"/>
+          <a:lstStyle/>
+          <a:p>
+            <a:pPr algn="ctr"/>
+            <a:endParaRPr lang="en-US"/>
+          </a:p>
+        </p:txBody>
+      </p:sp>
+      <p:sp>
+        <p:nvSpPr>
+          <p:cNvPr id="12" name="Oval 11"/>
+          <p:cNvSpPr/>
+          <p:nvPr/>
+        </p:nvSpPr>
+        <p:spPr>
+          <a:xfrm>
+            <a:off x="5523132" y="2516807"/>
+            <a:ext cx="73850" cy="73850"/>
+          </a:xfrm>
+          <a:prstGeom prst="ellipse">
+            <a:avLst/>
+          </a:prstGeom>
+          <a:ln>
+            <a:noFill/>
+          </a:ln>
+        </p:spPr>
+        <p:style>
+          <a:lnRef idx="2">
+            <a:schemeClr val="dk1">
+              <a:shade val="50000"/>
+            </a:schemeClr>
+          </a:lnRef>
+          <a:fillRef idx="1">
+            <a:schemeClr val="dk1"/>
+          </a:fillRef>
+          <a:effectRef idx="0">
+            <a:schemeClr val="dk1"/>
+          </a:effectRef>
+          <a:fontRef idx="minor">
+            <a:schemeClr val="lt1"/>
+          </a:fontRef>
+        </p:style>
+        <p:txBody>
+          <a:bodyPr rtlCol="0" anchor="ctr"/>
+          <a:lstStyle/>
+          <a:p>
+            <a:pPr algn="ctr"/>
+            <a:endParaRPr lang="en-US"/>
+          </a:p>
+        </p:txBody>
+      </p:sp>
+      <p:sp>
+        <p:nvSpPr>
+          <p:cNvPr id="13" name="Oval 12"/>
+          <p:cNvSpPr/>
+          <p:nvPr/>
+        </p:nvSpPr>
+        <p:spPr>
+          <a:xfrm>
+            <a:off x="4452470" y="2845607"/>
+            <a:ext cx="132915" cy="132915"/>
+          </a:xfrm>
+          <a:prstGeom prst="ellipse">
+            <a:avLst/>
+          </a:prstGeom>
+        </p:spPr>
+        <p:style>
+          <a:lnRef idx="2">
+            <a:schemeClr val="dk1"/>
+          </a:lnRef>
+          <a:fillRef idx="1">
+            <a:schemeClr val="lt1"/>
+          </a:fillRef>
+          <a:effectRef idx="0">
+            <a:schemeClr val="dk1"/>
+          </a:effectRef>
+          <a:fontRef idx="minor">
+            <a:schemeClr val="dk1"/>
+          </a:fontRef>
+        </p:style>
+        <p:txBody>
+          <a:bodyPr rtlCol="0" anchor="ctr"/>
+          <a:lstStyle/>
+          <a:p>
+            <a:pPr algn="ctr"/>
+            <a:endParaRPr lang="en-US"/>
+          </a:p>
+        </p:txBody>
+      </p:sp>
+      <p:sp>
+        <p:nvSpPr>
+          <p:cNvPr id="14" name="Oval 13"/>
+          <p:cNvSpPr/>
+          <p:nvPr/>
+        </p:nvSpPr>
+        <p:spPr>
+          <a:xfrm>
+            <a:off x="4482006" y="2875153"/>
+            <a:ext cx="73850" cy="73850"/>
+          </a:xfrm>
+          <a:prstGeom prst="ellipse">
+            <a:avLst/>
+          </a:prstGeom>
+          <a:ln>
+            <a:noFill/>
+          </a:ln>
+        </p:spPr>
+        <p:style>
+          <a:lnRef idx="2">
+            <a:schemeClr val="dk1">
+              <a:shade val="50000"/>
+            </a:schemeClr>
+          </a:lnRef>
+          <a:fillRef idx="1">
+            <a:schemeClr val="dk1"/>
+          </a:fillRef>
+          <a:effectRef idx="0">
+            <a:schemeClr val="dk1"/>
+          </a:effectRef>
+          <a:fontRef idx="minor">
+            <a:schemeClr val="lt1"/>
+          </a:fontRef>
+        </p:style>
+        <p:txBody>
+          <a:bodyPr rtlCol="0" anchor="ctr"/>
+          <a:lstStyle/>
+          <a:p>
+            <a:pPr algn="ctr"/>
+            <a:endParaRPr lang="en-US"/>
+          </a:p>
+        </p:txBody>
+      </p:sp>
+      <p:sp>
+        <p:nvSpPr>
+          <p:cNvPr id="16" name="Oval 15"/>
+          <p:cNvSpPr/>
+          <p:nvPr/>
+        </p:nvSpPr>
+        <p:spPr>
+          <a:xfrm>
+            <a:off x="2241816" y="2487261"/>
+            <a:ext cx="132915" cy="132915"/>
+          </a:xfrm>
+          <a:prstGeom prst="ellipse">
+            <a:avLst/>
+          </a:prstGeom>
+        </p:spPr>
+        <p:style>
+          <a:lnRef idx="2">
+            <a:schemeClr val="dk1"/>
+          </a:lnRef>
+          <a:fillRef idx="1">
+            <a:schemeClr val="lt1"/>
+          </a:fillRef>
+          <a:effectRef idx="0">
+            <a:schemeClr val="dk1"/>
+          </a:effectRef>
+          <a:fontRef idx="minor">
+            <a:schemeClr val="dk1"/>
+          </a:fontRef>
+        </p:style>
+        <p:txBody>
+          <a:bodyPr rtlCol="0" anchor="ctr"/>
+          <a:lstStyle/>
+          <a:p>
+            <a:pPr algn="ctr"/>
+            <a:endParaRPr lang="en-US"/>
+          </a:p>
+        </p:txBody>
+      </p:sp>
+      <p:sp>
+        <p:nvSpPr>
+          <p:cNvPr id="17" name="Oval 16"/>
+          <p:cNvSpPr/>
+          <p:nvPr/>
+        </p:nvSpPr>
+        <p:spPr>
+          <a:xfrm>
+            <a:off x="2241816" y="2845607"/>
+            <a:ext cx="132915" cy="132915"/>
+          </a:xfrm>
+          <a:prstGeom prst="ellipse">
+            <a:avLst/>
+          </a:prstGeom>
+        </p:spPr>
+        <p:style>
+          <a:lnRef idx="2">
+            <a:schemeClr val="dk1"/>
+          </a:lnRef>
+          <a:fillRef idx="1">
+            <a:schemeClr val="lt1"/>
+          </a:fillRef>
+          <a:effectRef idx="0">
+            <a:schemeClr val="dk1"/>
+          </a:effectRef>
+          <a:fontRef idx="minor">
+            <a:schemeClr val="dk1"/>
+          </a:fontRef>
+        </p:style>
+        <p:txBody>
+          <a:bodyPr rtlCol="0" anchor="ctr"/>
+          <a:lstStyle/>
+          <a:p>
+            <a:pPr algn="ctr"/>
+            <a:endParaRPr lang="en-US"/>
+          </a:p>
+        </p:txBody>
+      </p:sp>
+      <p:sp>
+        <p:nvSpPr>
+          <p:cNvPr id="18" name="Oval 17"/>
+          <p:cNvSpPr/>
+          <p:nvPr/>
+        </p:nvSpPr>
+        <p:spPr>
+          <a:xfrm>
+            <a:off x="2241816" y="1778991"/>
+            <a:ext cx="132915" cy="132915"/>
+          </a:xfrm>
+          <a:prstGeom prst="ellipse">
+            <a:avLst/>
+          </a:prstGeom>
+        </p:spPr>
+        <p:style>
+          <a:lnRef idx="2">
+            <a:schemeClr val="dk1">
+              <a:shade val="50000"/>
+            </a:schemeClr>
+          </a:lnRef>
+          <a:fillRef idx="1">
+            <a:schemeClr val="dk1"/>
+          </a:fillRef>
+          <a:effectRef idx="0">
+            <a:schemeClr val="dk1"/>
+          </a:effectRef>
+          <a:fontRef idx="minor">
+            <a:schemeClr val="lt1"/>
+          </a:fontRef>
+        </p:style>
+        <p:txBody>
+          <a:bodyPr rtlCol="0" anchor="ctr"/>
+          <a:lstStyle/>
+          <a:p>
+            <a:pPr algn="ctr"/>
+            <a:endParaRPr lang="en-US"/>
+          </a:p>
+        </p:txBody>
+      </p:sp>
+      <p:sp>
+        <p:nvSpPr>
+          <p:cNvPr id="19" name="Oval 18"/>
+          <p:cNvSpPr/>
+          <p:nvPr/>
+        </p:nvSpPr>
+        <p:spPr>
+          <a:xfrm>
+            <a:off x="2241816" y="3569298"/>
+            <a:ext cx="132915" cy="132915"/>
+          </a:xfrm>
+          <a:prstGeom prst="ellipse">
+            <a:avLst/>
+          </a:prstGeom>
+        </p:spPr>
+        <p:style>
+          <a:lnRef idx="2">
+            <a:schemeClr val="dk1">
+              <a:shade val="50000"/>
+            </a:schemeClr>
+          </a:lnRef>
+          <a:fillRef idx="1">
+            <a:schemeClr val="dk1"/>
+          </a:fillRef>
+          <a:effectRef idx="0">
+            <a:schemeClr val="dk1"/>
+          </a:effectRef>
+          <a:fontRef idx="minor">
+            <a:schemeClr val="lt1"/>
+          </a:fontRef>
+        </p:style>
+        <p:txBody>
+          <a:bodyPr rtlCol="0" anchor="ctr"/>
+          <a:lstStyle/>
+          <a:p>
+            <a:pPr algn="ctr"/>
+            <a:endParaRPr lang="en-US"/>
+          </a:p>
+        </p:txBody>
+      </p:sp>
+      <p:cxnSp>
+        <p:nvCxnSpPr>
+          <p:cNvPr id="23" name="Straight Arrow Connector 22"/>
+          <p:cNvCxnSpPr>
+            <a:stCxn id="16" idx="6"/>
+          </p:cNvCxnSpPr>
+          <p:nvPr/>
+        </p:nvCxnSpPr>
+        <p:spPr>
+          <a:xfrm flipV="1">
+            <a:off x="2374731" y="2551723"/>
+            <a:ext cx="3118865" cy="1996"/>
+          </a:xfrm>
+          <a:prstGeom prst="straightConnector1">
+            <a:avLst/>
+          </a:prstGeom>
+          <a:ln>
+            <a:solidFill>
+              <a:schemeClr val="tx1"/>
+            </a:solidFill>
+            <a:headEnd type="none"/>
+            <a:tailEnd type="triangle"/>
+          </a:ln>
+          <a:effectLst/>
+        </p:spPr>
+        <p:style>
+          <a:lnRef idx="2">
+            <a:schemeClr val="accent1"/>
+          </a:lnRef>
+          <a:fillRef idx="0">
+            <a:schemeClr val="accent1"/>
+          </a:fillRef>
+          <a:effectRef idx="1">
+            <a:schemeClr val="accent1"/>
+          </a:effectRef>
+          <a:fontRef idx="minor">
+            <a:schemeClr val="tx1"/>
+          </a:fontRef>
+        </p:style>
+      </p:cxnSp>
+      <p:cxnSp>
+        <p:nvCxnSpPr>
+          <p:cNvPr id="24" name="Straight Arrow Connector 23"/>
+          <p:cNvCxnSpPr>
+            <a:endCxn id="13" idx="2"/>
+          </p:cNvCxnSpPr>
+          <p:nvPr/>
+        </p:nvCxnSpPr>
+        <p:spPr>
+          <a:xfrm>
+            <a:off x="2374731" y="2909319"/>
+            <a:ext cx="2077739" cy="2746"/>
+          </a:xfrm>
+          <a:prstGeom prst="straightConnector1">
+            <a:avLst/>
+          </a:prstGeom>
+          <a:ln>
+            <a:solidFill>
+              <a:schemeClr val="tx1"/>
+            </a:solidFill>
+            <a:headEnd type="none"/>
+            <a:tailEnd type="triangle"/>
+          </a:ln>
+          <a:effectLst/>
+        </p:spPr>
+        <p:style>
+          <a:lnRef idx="2">
+            <a:schemeClr val="accent1"/>
+          </a:lnRef>
+          <a:fillRef idx="0">
+            <a:schemeClr val="accent1"/>
+          </a:fillRef>
+          <a:effectRef idx="1">
+            <a:schemeClr val="accent1"/>
+          </a:effectRef>
+          <a:fontRef idx="minor">
+            <a:schemeClr val="tx1"/>
+          </a:fontRef>
+        </p:style>
+      </p:cxnSp>
+      <p:cxnSp>
+        <p:nvCxnSpPr>
+          <p:cNvPr id="27" name="Straight Arrow Connector 26"/>
+          <p:cNvCxnSpPr>
+            <a:stCxn id="18" idx="4"/>
+            <a:endCxn id="16" idx="0"/>
+          </p:cNvCxnSpPr>
+          <p:nvPr/>
+        </p:nvCxnSpPr>
+        <p:spPr>
+          <a:xfrm>
+            <a:off x="2308274" y="1911906"/>
+            <a:ext cx="0" cy="575355"/>
+          </a:xfrm>
+          <a:prstGeom prst="straightConnector1">
+            <a:avLst/>
+          </a:prstGeom>
+          <a:ln>
+            <a:solidFill>
+              <a:schemeClr val="tx1"/>
+            </a:solidFill>
+            <a:headEnd type="triangle"/>
+            <a:tailEnd type="triangle"/>
+          </a:ln>
+          <a:effectLst/>
+        </p:spPr>
+        <p:style>
+          <a:lnRef idx="2">
+            <a:schemeClr val="accent1"/>
+          </a:lnRef>
+          <a:fillRef idx="0">
+            <a:schemeClr val="accent1"/>
+          </a:fillRef>
+          <a:effectRef idx="1">
+            <a:schemeClr val="accent1"/>
+          </a:effectRef>
+          <a:fontRef idx="minor">
+            <a:schemeClr val="tx1"/>
+          </a:fontRef>
+        </p:style>
+      </p:cxnSp>
+      <p:cxnSp>
+        <p:nvCxnSpPr>
+          <p:cNvPr id="28" name="Straight Arrow Connector 27"/>
+          <p:cNvCxnSpPr>
+            <a:endCxn id="19" idx="0"/>
+          </p:cNvCxnSpPr>
+          <p:nvPr/>
+        </p:nvCxnSpPr>
+        <p:spPr>
+          <a:xfrm>
+            <a:off x="2308274" y="2978522"/>
+            <a:ext cx="0" cy="590776"/>
+          </a:xfrm>
+          <a:prstGeom prst="straightConnector1">
+            <a:avLst/>
+          </a:prstGeom>
+          <a:ln>
+            <a:solidFill>
+              <a:schemeClr val="tx1"/>
+            </a:solidFill>
+            <a:headEnd type="triangle"/>
+            <a:tailEnd type="triangle"/>
+          </a:ln>
+          <a:effectLst/>
+        </p:spPr>
+        <p:style>
+          <a:lnRef idx="2">
+            <a:schemeClr val="accent1"/>
+          </a:lnRef>
+          <a:fillRef idx="0">
+            <a:schemeClr val="accent1"/>
+          </a:fillRef>
+          <a:effectRef idx="1">
+            <a:schemeClr val="accent1"/>
+          </a:effectRef>
+          <a:fontRef idx="minor">
+            <a:schemeClr val="tx1"/>
+          </a:fontRef>
+        </p:style>
+      </p:cxnSp>
+      <p:cxnSp>
+        <p:nvCxnSpPr>
+          <p:cNvPr id="31" name="Straight Arrow Connector 30"/>
+          <p:cNvCxnSpPr>
+            <a:endCxn id="13" idx="4"/>
+          </p:cNvCxnSpPr>
+          <p:nvPr/>
+        </p:nvCxnSpPr>
+        <p:spPr>
+          <a:xfrm flipV="1">
+            <a:off x="4518928" y="2978522"/>
+            <a:ext cx="0" cy="558470"/>
+          </a:xfrm>
+          <a:prstGeom prst="straightConnector1">
+            <a:avLst/>
+          </a:prstGeom>
+          <a:ln>
+            <a:solidFill>
+              <a:schemeClr val="tx1"/>
+            </a:solidFill>
+            <a:headEnd type="none"/>
+            <a:tailEnd type="triangle"/>
+          </a:ln>
+          <a:effectLst/>
+        </p:spPr>
+        <p:style>
+          <a:lnRef idx="2">
+            <a:schemeClr val="accent1"/>
+          </a:lnRef>
+          <a:fillRef idx="0">
+            <a:schemeClr val="accent1"/>
+          </a:fillRef>
+          <a:effectRef idx="1">
+            <a:schemeClr val="accent1"/>
+          </a:effectRef>
+          <a:fontRef idx="minor">
+            <a:schemeClr val="tx1"/>
+          </a:fontRef>
+        </p:style>
+      </p:cxnSp>
+      <p:cxnSp>
+        <p:nvCxnSpPr>
+          <p:cNvPr id="38" name="Straight Arrow Connector 37"/>
+          <p:cNvCxnSpPr>
+            <a:endCxn id="11" idx="0"/>
+          </p:cNvCxnSpPr>
+          <p:nvPr/>
+        </p:nvCxnSpPr>
+        <p:spPr>
+          <a:xfrm>
+            <a:off x="5557782" y="1939366"/>
+            <a:ext cx="2272" cy="547895"/>
+          </a:xfrm>
+          <a:prstGeom prst="straightConnector1">
+            <a:avLst/>
+          </a:prstGeom>
+          <a:ln>
+            <a:solidFill>
+              <a:schemeClr val="tx1"/>
+            </a:solidFill>
+            <a:headEnd type="none"/>
+            <a:tailEnd type="triangle"/>
+          </a:ln>
+          <a:effectLst/>
+        </p:spPr>
+        <p:style>
+          <a:lnRef idx="2">
+            <a:schemeClr val="accent1"/>
+          </a:lnRef>
+          <a:fillRef idx="0">
+            <a:schemeClr val="accent1"/>
+          </a:fillRef>
+          <a:effectRef idx="1">
+            <a:schemeClr val="accent1"/>
+          </a:effectRef>
+          <a:fontRef idx="minor">
+            <a:schemeClr val="tx1"/>
+          </a:fontRef>
+        </p:style>
+      </p:cxnSp>
+      <p:sp>
+        <p:nvSpPr>
+          <p:cNvPr id="41" name="TextBox 40"/>
+          <p:cNvSpPr txBox="1"/>
+          <p:nvPr/>
+        </p:nvSpPr>
+        <p:spPr>
+          <a:xfrm>
+            <a:off x="5080323" y="3261521"/>
+            <a:ext cx="1033318" cy="307777"/>
+          </a:xfrm>
+          <a:prstGeom prst="rect">
+            <a:avLst/>
+          </a:prstGeom>
+          <a:noFill/>
+        </p:spPr>
+        <p:txBody>
+          <a:bodyPr wrap="square" rtlCol="0">
+            <a:spAutoFit/>
+          </a:bodyPr>
+          <a:lstStyle/>
+          <a:p>
+            <a:r>
+              <a:rPr lang="en-US" sz="1400" dirty="0" smtClean="0">
+                <a:latin typeface="Utopia Std"/>
+                <a:cs typeface="Utopia Std"/>
+              </a:rPr>
+              <a:t>Future</a:t>
+            </a:r>
+            <a:endParaRPr lang="en-US" sz="1400" dirty="0">
+              <a:latin typeface="Utopia Std"/>
+              <a:cs typeface="Utopia Std"/>
+            </a:endParaRPr>
+          </a:p>
+        </p:txBody>
+      </p:sp>
+      <p:sp>
+        <p:nvSpPr>
+          <p:cNvPr id="43" name="TextBox 42"/>
+          <p:cNvSpPr txBox="1"/>
+          <p:nvPr/>
+        </p:nvSpPr>
+        <p:spPr>
+          <a:xfrm>
+            <a:off x="5080323" y="3498352"/>
+            <a:ext cx="1033318" cy="307777"/>
+          </a:xfrm>
+          <a:prstGeom prst="rect">
+            <a:avLst/>
+          </a:prstGeom>
+          <a:noFill/>
+        </p:spPr>
+        <p:txBody>
+          <a:bodyPr wrap="square" rtlCol="0">
+            <a:spAutoFit/>
+          </a:bodyPr>
+          <a:lstStyle/>
+          <a:p>
+            <a:r>
+              <a:rPr lang="en-US" sz="1400" dirty="0" smtClean="0">
+                <a:latin typeface="Utopia Std"/>
+                <a:cs typeface="Utopia Std"/>
+              </a:rPr>
+              <a:t>Promise</a:t>
+            </a:r>
+            <a:endParaRPr lang="en-US" sz="1400" dirty="0">
+              <a:latin typeface="Utopia Std"/>
+              <a:cs typeface="Utopia Std"/>
+            </a:endParaRPr>
+          </a:p>
+        </p:txBody>
+      </p:sp>
+      <p:sp>
+        <p:nvSpPr>
+          <p:cNvPr id="44" name="TextBox 43"/>
+          <p:cNvSpPr txBox="1"/>
+          <p:nvPr/>
+        </p:nvSpPr>
+        <p:spPr>
+          <a:xfrm>
+            <a:off x="5080322" y="3716991"/>
+            <a:ext cx="1618268" cy="307777"/>
+          </a:xfrm>
+          <a:prstGeom prst="rect">
+            <a:avLst/>
+          </a:prstGeom>
+          <a:noFill/>
+        </p:spPr>
+        <p:txBody>
+          <a:bodyPr wrap="square" rtlCol="0">
+            <a:spAutoFit/>
+          </a:bodyPr>
+          <a:lstStyle/>
+          <a:p>
+            <a:r>
+              <a:rPr lang="en-US" sz="1400" dirty="0" smtClean="0">
+                <a:latin typeface="Utopia Std"/>
+                <a:cs typeface="Utopia Std"/>
+              </a:rPr>
+              <a:t>Future with value</a:t>
+            </a:r>
+            <a:endParaRPr lang="en-US" sz="1400" dirty="0">
+              <a:latin typeface="Utopia Std"/>
+              <a:cs typeface="Utopia Std"/>
+            </a:endParaRPr>
+          </a:p>
+        </p:txBody>
+      </p:sp>
+      <p:sp>
+        <p:nvSpPr>
+          <p:cNvPr id="45" name="TextBox 44"/>
+          <p:cNvSpPr txBox="1"/>
+          <p:nvPr/>
+        </p:nvSpPr>
+        <p:spPr>
+          <a:xfrm>
+            <a:off x="4857308" y="3918761"/>
+            <a:ext cx="2225827" cy="307777"/>
+          </a:xfrm>
+          <a:prstGeom prst="rect">
+            <a:avLst/>
+          </a:prstGeom>
+          <a:noFill/>
+        </p:spPr>
+        <p:txBody>
+          <a:bodyPr wrap="square" rtlCol="0">
+            <a:spAutoFit/>
+          </a:bodyPr>
+          <a:lstStyle/>
+          <a:p>
+            <a:r>
+              <a:rPr lang="en-US" sz="1400" b="1" dirty="0" smtClean="0">
+                <a:solidFill>
+                  <a:schemeClr val="accent3">
+                    <a:lumMod val="75000"/>
+                  </a:schemeClr>
+                </a:solidFill>
+                <a:latin typeface="Utopia Std"/>
+                <a:cs typeface="Utopia Std"/>
+              </a:rPr>
+              <a:t>Green:</a:t>
+            </a:r>
+            <a:r>
+              <a:rPr lang="en-US" sz="1400" dirty="0" smtClean="0">
+                <a:solidFill>
+                  <a:schemeClr val="accent3">
+                    <a:lumMod val="75000"/>
+                  </a:schemeClr>
+                </a:solidFill>
+                <a:latin typeface="Utopia Std"/>
+                <a:cs typeface="Utopia Std"/>
+              </a:rPr>
+              <a:t> meaningful work</a:t>
+            </a:r>
+            <a:endParaRPr lang="en-US" sz="1400" dirty="0">
+              <a:solidFill>
+                <a:schemeClr val="accent3">
+                  <a:lumMod val="75000"/>
+                </a:schemeClr>
+              </a:solidFill>
+              <a:latin typeface="Utopia Std"/>
+              <a:cs typeface="Utopia Std"/>
+            </a:endParaRPr>
+          </a:p>
+        </p:txBody>
+      </p:sp>
+      <p:sp>
+        <p:nvSpPr>
+          <p:cNvPr id="46" name="TextBox 45"/>
+          <p:cNvSpPr txBox="1"/>
+          <p:nvPr/>
+        </p:nvSpPr>
+        <p:spPr>
+          <a:xfrm>
+            <a:off x="4863081" y="4152601"/>
+            <a:ext cx="2712769" cy="444224"/>
+          </a:xfrm>
+          <a:prstGeom prst="rect">
+            <a:avLst/>
+          </a:prstGeom>
+          <a:noFill/>
+        </p:spPr>
+        <p:txBody>
+          <a:bodyPr wrap="square" rtlCol="0">
+            <a:spAutoFit/>
+          </a:bodyPr>
+          <a:lstStyle/>
+          <a:p>
+            <a:pPr>
+              <a:lnSpc>
+                <a:spcPct val="80000"/>
+              </a:lnSpc>
+            </a:pPr>
+            <a:r>
+              <a:rPr lang="en-US" sz="1400" b="1" dirty="0" smtClean="0">
+                <a:solidFill>
+                  <a:srgbClr val="C0504D"/>
+                </a:solidFill>
+                <a:latin typeface="Utopia Std"/>
+                <a:cs typeface="Utopia Std"/>
+              </a:rPr>
+              <a:t>Red: </a:t>
+            </a:r>
+            <a:r>
+              <a:rPr lang="en-US" sz="1400" dirty="0" smtClean="0">
+                <a:solidFill>
+                  <a:schemeClr val="accent2"/>
+                </a:solidFill>
+                <a:latin typeface="Utopia Std"/>
+                <a:cs typeface="Utopia Std"/>
+              </a:rPr>
+              <a:t>thread waiting on the result of another thread</a:t>
+            </a:r>
+            <a:endParaRPr lang="en-US" sz="1400" dirty="0">
+              <a:solidFill>
+                <a:schemeClr val="accent2"/>
+              </a:solidFill>
+              <a:latin typeface="Utopia Std"/>
+              <a:cs typeface="Utopia Std"/>
+            </a:endParaRPr>
+          </a:p>
+        </p:txBody>
+      </p:sp>
+    </p:spTree>
+    <p:extLst>
+      <p:ext uri="{BB962C8B-B14F-4D97-AF65-F5344CB8AC3E}">
+        <p14:creationId xmlns:p14="http://schemas.microsoft.com/office/powerpoint/2010/main" val="2695358333"/>
+      </p:ext>
+    </p:extLst>
+  </p:cSld>
+  <p:clrMapOvr>
+    <a:masterClrMapping/>
+  </p:clrMapOvr>
+</p:sld>
+</file>
+
+<file path=ppt/slides/slide4.xml><?xml version="1.0" encoding="utf-8"?>
+<p:sld xmlns:a="http://schemas.openxmlformats.org/drawingml/2006/main" xmlns:r="http://schemas.openxmlformats.org/officeDocument/2006/relationships" xmlns:p="http://schemas.openxmlformats.org/presentationml/2006/main">
+  <p:cSld>
+    <p:spTree>
+      <p:nvGrpSpPr>
+        <p:cNvPr id="1" name=""/>
+        <p:cNvGrpSpPr/>
+        <p:nvPr/>
+      </p:nvGrpSpPr>
+      <p:grpSpPr>
+        <a:xfrm>
+          <a:off x="0" y="0"/>
+          <a:ext cx="0" cy="0"/>
+          <a:chOff x="0" y="0"/>
+          <a:chExt cx="0" cy="0"/>
+        </a:xfrm>
+      </p:grpSpPr>
+      <p:sp>
+        <p:nvSpPr>
+          <p:cNvPr id="7" name="Rectangle 6"/>
+          <p:cNvSpPr/>
+          <p:nvPr/>
+        </p:nvSpPr>
+        <p:spPr>
+          <a:xfrm>
+            <a:off x="5379015" y="1322673"/>
+            <a:ext cx="217055" cy="230909"/>
+          </a:xfrm>
+          <a:prstGeom prst="rect">
+            <a:avLst/>
+          </a:prstGeom>
+          <a:solidFill>
+            <a:schemeClr val="tx2">
+              <a:lumMod val="40000"/>
+              <a:lumOff val="60000"/>
+            </a:schemeClr>
+          </a:solidFill>
+        </p:spPr>
+        <p:style>
+          <a:lnRef idx="2">
+            <a:schemeClr val="accent1">
+              <a:shade val="50000"/>
+            </a:schemeClr>
+          </a:lnRef>
+          <a:fillRef idx="1">
+            <a:schemeClr val="accent1"/>
+          </a:fillRef>
+          <a:effectRef idx="0">
+            <a:schemeClr val="accent1"/>
+          </a:effectRef>
+          <a:fontRef idx="minor">
+            <a:schemeClr val="lt1"/>
+          </a:fontRef>
+        </p:style>
+        <p:txBody>
+          <a:bodyPr rtlCol="0" anchor="ctr"/>
+          <a:lstStyle/>
+          <a:p>
+            <a:pPr algn="ctr"/>
+            <a:endParaRPr lang="en-US"/>
+          </a:p>
+        </p:txBody>
+      </p:sp>
+      <p:sp>
+        <p:nvSpPr>
+          <p:cNvPr id="10" name="Rectangle 9"/>
+          <p:cNvSpPr/>
+          <p:nvPr/>
+        </p:nvSpPr>
+        <p:spPr>
+          <a:xfrm>
+            <a:off x="6023243" y="1322673"/>
+            <a:ext cx="217055" cy="230909"/>
+          </a:xfrm>
+          <a:prstGeom prst="rect">
+            <a:avLst/>
+          </a:prstGeom>
+          <a:solidFill>
+            <a:schemeClr val="tx2">
+              <a:lumMod val="40000"/>
+              <a:lumOff val="60000"/>
+            </a:schemeClr>
+          </a:solidFill>
+        </p:spPr>
+        <p:style>
+          <a:lnRef idx="2">
+            <a:schemeClr val="accent1">
+              <a:shade val="50000"/>
+            </a:schemeClr>
+          </a:lnRef>
+          <a:fillRef idx="1">
+            <a:schemeClr val="accent1"/>
+          </a:fillRef>
+          <a:effectRef idx="0">
+            <a:schemeClr val="accent1"/>
+          </a:effectRef>
+          <a:fontRef idx="minor">
+            <a:schemeClr val="lt1"/>
+          </a:fontRef>
+        </p:style>
+        <p:txBody>
+          <a:bodyPr rtlCol="0" anchor="ctr"/>
+          <a:lstStyle/>
+          <a:p>
+            <a:pPr algn="ctr"/>
+            <a:endParaRPr lang="en-US"/>
+          </a:p>
+        </p:txBody>
+      </p:sp>
+      <p:sp>
+        <p:nvSpPr>
+          <p:cNvPr id="12" name="Rectangle 11"/>
+          <p:cNvSpPr/>
+          <p:nvPr/>
+        </p:nvSpPr>
+        <p:spPr>
+          <a:xfrm>
+            <a:off x="6457353" y="1322673"/>
+            <a:ext cx="217055" cy="230909"/>
+          </a:xfrm>
+          <a:prstGeom prst="rect">
+            <a:avLst/>
+          </a:prstGeom>
+          <a:solidFill>
+            <a:schemeClr val="tx2">
+              <a:lumMod val="40000"/>
+              <a:lumOff val="60000"/>
+            </a:schemeClr>
+          </a:solidFill>
+        </p:spPr>
+        <p:style>
+          <a:lnRef idx="2">
+            <a:schemeClr val="accent1">
+              <a:shade val="50000"/>
+            </a:schemeClr>
+          </a:lnRef>
+          <a:fillRef idx="1">
+            <a:schemeClr val="accent1"/>
+          </a:fillRef>
+          <a:effectRef idx="0">
+            <a:schemeClr val="accent1"/>
+          </a:effectRef>
+          <a:fontRef idx="minor">
+            <a:schemeClr val="lt1"/>
+          </a:fontRef>
+        </p:style>
+        <p:txBody>
+          <a:bodyPr rtlCol="0" anchor="ctr"/>
+          <a:lstStyle/>
+          <a:p>
+            <a:pPr algn="ctr"/>
+            <a:endParaRPr lang="en-US"/>
+          </a:p>
+        </p:txBody>
+      </p:sp>
+      <p:sp>
+        <p:nvSpPr>
+          <p:cNvPr id="15" name="TextBox 14"/>
+          <p:cNvSpPr txBox="1"/>
+          <p:nvPr/>
+        </p:nvSpPr>
+        <p:spPr>
+          <a:xfrm>
+            <a:off x="3074899" y="1284845"/>
+            <a:ext cx="2135586" cy="276999"/>
+          </a:xfrm>
+          <a:prstGeom prst="rect">
+            <a:avLst/>
+          </a:prstGeom>
+          <a:noFill/>
+        </p:spPr>
+        <p:txBody>
+          <a:bodyPr wrap="square" rtlCol="0">
+            <a:spAutoFit/>
+          </a:bodyPr>
+          <a:lstStyle/>
+          <a:p>
+            <a:r>
+              <a:rPr lang="en-US" sz="1200" dirty="0" smtClean="0">
+                <a:latin typeface="Inconsolata"/>
+                <a:cs typeface="Inconsolata"/>
+              </a:rPr>
+              <a:t>users: </a:t>
+            </a:r>
+            <a:r>
+              <a:rPr lang="en-US" sz="1200" dirty="0" smtClean="0">
+                <a:solidFill>
+                  <a:schemeClr val="accent1"/>
+                </a:solidFill>
+                <a:latin typeface="Inconsolata"/>
+                <a:cs typeface="Inconsolata"/>
+              </a:rPr>
+              <a:t>FlowPool</a:t>
+            </a:r>
+            <a:r>
+              <a:rPr lang="en-US" sz="1200" b="1" dirty="0" smtClean="0">
+                <a:latin typeface="Inconsolata"/>
+                <a:cs typeface="Inconsolata"/>
+              </a:rPr>
+              <a:t>[</a:t>
+            </a:r>
+            <a:r>
+              <a:rPr lang="en-US" sz="1200" dirty="0" smtClean="0">
+                <a:solidFill>
+                  <a:schemeClr val="accent1"/>
+                </a:solidFill>
+                <a:latin typeface="Inconsolata"/>
+                <a:cs typeface="Inconsolata"/>
+              </a:rPr>
+              <a:t>User</a:t>
+            </a:r>
+            <a:r>
+              <a:rPr lang="en-US" sz="1200" b="1" dirty="0" smtClean="0">
+                <a:latin typeface="Inconsolata"/>
+                <a:cs typeface="Inconsolata"/>
+              </a:rPr>
+              <a:t>]</a:t>
+            </a:r>
+            <a:endParaRPr lang="en-US" sz="1200" b="1" dirty="0">
+              <a:latin typeface="Inconsolata"/>
+              <a:cs typeface="Inconsolata"/>
+            </a:endParaRPr>
+          </a:p>
+        </p:txBody>
+      </p:sp>
+      <p:sp>
+        <p:nvSpPr>
+          <p:cNvPr id="16" name="TextBox 15"/>
+          <p:cNvSpPr txBox="1"/>
+          <p:nvPr/>
+        </p:nvSpPr>
+        <p:spPr>
+          <a:xfrm>
+            <a:off x="787909" y="1950601"/>
+            <a:ext cx="4205614" cy="276999"/>
+          </a:xfrm>
+          <a:prstGeom prst="rect">
+            <a:avLst/>
+          </a:prstGeom>
+          <a:noFill/>
+        </p:spPr>
+        <p:txBody>
+          <a:bodyPr wrap="square" rtlCol="0">
+            <a:spAutoFit/>
+          </a:bodyPr>
+          <a:lstStyle/>
+          <a:p>
+            <a:r>
+              <a:rPr lang="en-US" sz="1200" dirty="0" smtClean="0">
+                <a:latin typeface="Inconsolata"/>
+                <a:cs typeface="Inconsolata"/>
+              </a:rPr>
+              <a:t>users.map</a:t>
+            </a:r>
+            <a:r>
+              <a:rPr lang="en-US" sz="1200" b="1" dirty="0" smtClean="0">
+                <a:latin typeface="Inconsolata"/>
+                <a:cs typeface="Inconsolata"/>
+              </a:rPr>
+              <a:t>(</a:t>
+            </a:r>
+            <a:r>
+              <a:rPr lang="en-US" sz="1200" dirty="0" smtClean="0">
+                <a:latin typeface="Inconsolata"/>
+                <a:cs typeface="Inconsolata"/>
+              </a:rPr>
+              <a:t> user =&gt; (user.age, user.getFriends</a:t>
+            </a:r>
+            <a:r>
+              <a:rPr lang="en-US" sz="1200" b="1" dirty="0" smtClean="0">
+                <a:latin typeface="Inconsolata"/>
+                <a:cs typeface="Inconsolata"/>
+              </a:rPr>
+              <a:t>() ) )</a:t>
+            </a:r>
+            <a:endParaRPr lang="en-US" sz="1200" b="1" dirty="0">
+              <a:latin typeface="Inconsolata"/>
+              <a:cs typeface="Inconsolata"/>
+            </a:endParaRPr>
+          </a:p>
+        </p:txBody>
+      </p:sp>
+      <p:sp>
+        <p:nvSpPr>
+          <p:cNvPr id="17" name="Rectangle 16"/>
+          <p:cNvSpPr/>
+          <p:nvPr/>
+        </p:nvSpPr>
+        <p:spPr>
+          <a:xfrm>
+            <a:off x="4944907" y="2006148"/>
+            <a:ext cx="217055" cy="230909"/>
+          </a:xfrm>
+          <a:prstGeom prst="rect">
+            <a:avLst/>
+          </a:prstGeom>
+          <a:solidFill>
+            <a:schemeClr val="tx2">
+              <a:lumMod val="40000"/>
+              <a:lumOff val="60000"/>
+            </a:schemeClr>
+          </a:solidFill>
+        </p:spPr>
+        <p:style>
+          <a:lnRef idx="2">
+            <a:schemeClr val="accent1">
+              <a:shade val="50000"/>
+            </a:schemeClr>
+          </a:lnRef>
+          <a:fillRef idx="1">
+            <a:schemeClr val="accent1"/>
+          </a:fillRef>
+          <a:effectRef idx="0">
+            <a:schemeClr val="accent1"/>
+          </a:effectRef>
+          <a:fontRef idx="minor">
+            <a:schemeClr val="lt1"/>
+          </a:fontRef>
+        </p:style>
+        <p:txBody>
+          <a:bodyPr rtlCol="0" anchor="ctr"/>
+          <a:lstStyle/>
+          <a:p>
+            <a:pPr algn="ctr"/>
+            <a:endParaRPr lang="en-US"/>
+          </a:p>
+        </p:txBody>
+      </p:sp>
+      <p:sp>
+        <p:nvSpPr>
+          <p:cNvPr id="19" name="Rectangle 18"/>
+          <p:cNvSpPr/>
+          <p:nvPr/>
+        </p:nvSpPr>
+        <p:spPr>
+          <a:xfrm>
+            <a:off x="5379017" y="2006148"/>
+            <a:ext cx="217055" cy="230909"/>
+          </a:xfrm>
+          <a:prstGeom prst="rect">
+            <a:avLst/>
+          </a:prstGeom>
+          <a:solidFill>
+            <a:srgbClr val="BFBFBF"/>
+          </a:solidFill>
+          <a:ln>
+            <a:solidFill>
+              <a:schemeClr val="bg1">
+                <a:lumMod val="50000"/>
+              </a:schemeClr>
+            </a:solidFill>
+          </a:ln>
+        </p:spPr>
+        <p:style>
+          <a:lnRef idx="2">
+            <a:schemeClr val="accent1">
+              <a:shade val="50000"/>
+            </a:schemeClr>
+          </a:lnRef>
+          <a:fillRef idx="1">
+            <a:schemeClr val="accent1"/>
+          </a:fillRef>
+          <a:effectRef idx="0">
+            <a:schemeClr val="accent1"/>
+          </a:effectRef>
+          <a:fontRef idx="minor">
+            <a:schemeClr val="lt1"/>
+          </a:fontRef>
+        </p:style>
+        <p:txBody>
+          <a:bodyPr rtlCol="0" anchor="ctr"/>
+          <a:lstStyle/>
+          <a:p>
+            <a:pPr algn="ctr"/>
+            <a:endParaRPr lang="en-US"/>
+          </a:p>
+        </p:txBody>
+      </p:sp>
+      <p:sp>
+        <p:nvSpPr>
+          <p:cNvPr id="20" name="Rectangle 19"/>
+          <p:cNvSpPr/>
+          <p:nvPr/>
+        </p:nvSpPr>
+        <p:spPr>
+          <a:xfrm>
+            <a:off x="5593760" y="2006148"/>
+            <a:ext cx="217055" cy="230909"/>
+          </a:xfrm>
+          <a:prstGeom prst="rect">
+            <a:avLst/>
+          </a:prstGeom>
+          <a:solidFill>
+            <a:schemeClr val="accent1">
+              <a:lumMod val="60000"/>
+              <a:lumOff val="40000"/>
+            </a:schemeClr>
+          </a:solidFill>
+          <a:ln/>
+        </p:spPr>
+        <p:style>
+          <a:lnRef idx="2">
+            <a:schemeClr val="accent1">
+              <a:shade val="50000"/>
+            </a:schemeClr>
+          </a:lnRef>
+          <a:fillRef idx="1">
+            <a:schemeClr val="accent1"/>
+          </a:fillRef>
+          <a:effectRef idx="0">
+            <a:schemeClr val="accent1"/>
+          </a:effectRef>
+          <a:fontRef idx="minor">
+            <a:schemeClr val="lt1"/>
+          </a:fontRef>
+        </p:style>
+        <p:txBody>
+          <a:bodyPr rtlCol="0" anchor="ctr"/>
+          <a:lstStyle/>
+          <a:p>
+            <a:pPr algn="ctr"/>
+            <a:endParaRPr lang="en-US"/>
+          </a:p>
+        </p:txBody>
+      </p:sp>
+      <p:sp>
+        <p:nvSpPr>
+          <p:cNvPr id="22" name="Rectangle 21"/>
+          <p:cNvSpPr/>
+          <p:nvPr/>
+        </p:nvSpPr>
+        <p:spPr>
+          <a:xfrm>
+            <a:off x="6023245" y="2006148"/>
+            <a:ext cx="217055" cy="230909"/>
+          </a:xfrm>
+          <a:prstGeom prst="rect">
+            <a:avLst/>
+          </a:prstGeom>
+          <a:solidFill>
+            <a:srgbClr val="BFBFBF"/>
+          </a:solidFill>
+          <a:ln>
+            <a:solidFill>
+              <a:schemeClr val="bg1">
+                <a:lumMod val="50000"/>
+              </a:schemeClr>
+            </a:solidFill>
+          </a:ln>
+        </p:spPr>
+        <p:style>
+          <a:lnRef idx="2">
+            <a:schemeClr val="accent1">
+              <a:shade val="50000"/>
+            </a:schemeClr>
+          </a:lnRef>
+          <a:fillRef idx="1">
+            <a:schemeClr val="accent1"/>
+          </a:fillRef>
+          <a:effectRef idx="0">
+            <a:schemeClr val="accent1"/>
+          </a:effectRef>
+          <a:fontRef idx="minor">
+            <a:schemeClr val="lt1"/>
+          </a:fontRef>
+        </p:style>
+        <p:txBody>
+          <a:bodyPr rtlCol="0" anchor="ctr"/>
+          <a:lstStyle/>
+          <a:p>
+            <a:pPr algn="ctr"/>
+            <a:endParaRPr lang="en-US"/>
+          </a:p>
+        </p:txBody>
+      </p:sp>
+      <p:sp>
+        <p:nvSpPr>
+          <p:cNvPr id="24" name="Rectangle 23"/>
+          <p:cNvSpPr/>
+          <p:nvPr/>
+        </p:nvSpPr>
+        <p:spPr>
+          <a:xfrm>
+            <a:off x="6457355" y="2006148"/>
+            <a:ext cx="217055" cy="230909"/>
+          </a:xfrm>
+          <a:prstGeom prst="rect">
+            <a:avLst/>
+          </a:prstGeom>
+          <a:solidFill>
+            <a:srgbClr val="BFBFBF"/>
+          </a:solidFill>
+          <a:ln>
+            <a:solidFill>
+              <a:schemeClr val="bg1">
+                <a:lumMod val="50000"/>
+              </a:schemeClr>
+            </a:solidFill>
+          </a:ln>
+        </p:spPr>
+        <p:style>
+          <a:lnRef idx="2">
+            <a:schemeClr val="accent1">
+              <a:shade val="50000"/>
+            </a:schemeClr>
+          </a:lnRef>
+          <a:fillRef idx="1">
+            <a:schemeClr val="accent1"/>
+          </a:fillRef>
+          <a:effectRef idx="0">
+            <a:schemeClr val="accent1"/>
+          </a:effectRef>
+          <a:fontRef idx="minor">
+            <a:schemeClr val="lt1"/>
+          </a:fontRef>
+        </p:style>
+        <p:txBody>
+          <a:bodyPr rtlCol="0" anchor="ctr"/>
+          <a:lstStyle/>
+          <a:p>
+            <a:pPr algn="ctr"/>
+            <a:endParaRPr lang="en-US"/>
+          </a:p>
+        </p:txBody>
+      </p:sp>
+      <p:sp>
+        <p:nvSpPr>
+          <p:cNvPr id="27" name="TextBox 26"/>
+          <p:cNvSpPr txBox="1"/>
+          <p:nvPr/>
+        </p:nvSpPr>
+        <p:spPr>
+          <a:xfrm>
+            <a:off x="393718" y="2480205"/>
+            <a:ext cx="5903218" cy="830997"/>
+          </a:xfrm>
+          <a:prstGeom prst="rect">
+            <a:avLst/>
+          </a:prstGeom>
+          <a:noFill/>
+        </p:spPr>
+        <p:txBody>
+          <a:bodyPr wrap="square" rtlCol="0">
+            <a:spAutoFit/>
+          </a:bodyPr>
+          <a:lstStyle/>
+          <a:p>
+            <a:r>
+              <a:rPr lang="en-US" sz="1200" dirty="0" smtClean="0">
+                <a:latin typeface="Inconsolata"/>
+                <a:cs typeface="Inconsolata"/>
+              </a:rPr>
+              <a:t> .map </a:t>
+            </a:r>
+            <a:r>
+              <a:rPr lang="en-US" sz="1200" b="1" dirty="0" smtClean="0">
+                <a:latin typeface="Inconsolata"/>
+                <a:cs typeface="Inconsolata"/>
+              </a:rPr>
+              <a:t>{</a:t>
+            </a:r>
+          </a:p>
+          <a:p>
+            <a:r>
+              <a:rPr lang="en-US" sz="1200" dirty="0" smtClean="0">
+                <a:latin typeface="Inconsolata"/>
+                <a:cs typeface="Inconsolata"/>
+              </a:rPr>
+              <a:t>       </a:t>
+            </a:r>
+            <a:r>
+              <a:rPr lang="en-US" sz="1200" b="1" dirty="0" smtClean="0">
+                <a:latin typeface="Inconsolata"/>
+                <a:cs typeface="Inconsolata"/>
+              </a:rPr>
+              <a:t>case</a:t>
+            </a:r>
+            <a:r>
+              <a:rPr lang="en-US" sz="1200" dirty="0" smtClean="0">
+                <a:latin typeface="Inconsolata"/>
+                <a:cs typeface="Inconsolata"/>
+              </a:rPr>
+              <a:t> </a:t>
+            </a:r>
+            <a:r>
+              <a:rPr lang="en-US" sz="1200" b="1" dirty="0" smtClean="0">
+                <a:latin typeface="Inconsolata"/>
+                <a:cs typeface="Inconsolata"/>
+              </a:rPr>
+              <a:t>(</a:t>
+            </a:r>
+            <a:r>
+              <a:rPr lang="en-US" sz="1200" dirty="0" err="1" smtClean="0">
+                <a:latin typeface="Inconsolata"/>
+                <a:cs typeface="Inconsolata"/>
+              </a:rPr>
+              <a:t>userAge</a:t>
+            </a:r>
+            <a:r>
+              <a:rPr lang="en-US" sz="1200" dirty="0" smtClean="0">
+                <a:latin typeface="Inconsolata"/>
+                <a:cs typeface="Inconsolata"/>
+              </a:rPr>
+              <a:t>, friends</a:t>
+            </a:r>
+            <a:r>
+              <a:rPr lang="en-US" sz="1200" b="1" dirty="0" smtClean="0">
+                <a:latin typeface="Inconsolata"/>
+                <a:cs typeface="Inconsolata"/>
+              </a:rPr>
+              <a:t>)</a:t>
+            </a:r>
+            <a:r>
+              <a:rPr lang="en-US" sz="1200" dirty="0" smtClean="0">
+                <a:latin typeface="Inconsolata"/>
+                <a:cs typeface="Inconsolata"/>
+              </a:rPr>
+              <a:t> =&gt;</a:t>
+            </a:r>
+          </a:p>
+          <a:p>
+            <a:r>
+              <a:rPr lang="en-US" sz="1200" dirty="0" smtClean="0">
+                <a:latin typeface="Inconsolata"/>
+                <a:cs typeface="Inconsolata"/>
+              </a:rPr>
+              <a:t>         </a:t>
+            </a:r>
+            <a:r>
+              <a:rPr lang="en-US" sz="1200" dirty="0" err="1" smtClean="0">
+                <a:latin typeface="Inconsolata"/>
+                <a:cs typeface="Inconsolata"/>
+              </a:rPr>
+              <a:t>friends.filter</a:t>
+            </a:r>
+            <a:r>
+              <a:rPr lang="en-US" sz="1200" b="1" dirty="0" smtClean="0">
+                <a:latin typeface="Inconsolata"/>
+                <a:cs typeface="Inconsolata"/>
+              </a:rPr>
+              <a:t>(</a:t>
+            </a:r>
+            <a:r>
+              <a:rPr lang="en-US" sz="1200" dirty="0" smtClean="0">
+                <a:latin typeface="Inconsolata"/>
+                <a:cs typeface="Inconsolata"/>
+              </a:rPr>
+              <a:t>friend =&gt; </a:t>
+            </a:r>
+            <a:r>
+              <a:rPr lang="en-US" sz="1200" dirty="0" err="1" smtClean="0">
+                <a:latin typeface="Inconsolata"/>
+                <a:cs typeface="Inconsolata"/>
+              </a:rPr>
+              <a:t>userAge</a:t>
+            </a:r>
+            <a:r>
+              <a:rPr lang="en-US" sz="1200" dirty="0" smtClean="0">
+                <a:latin typeface="Inconsolata"/>
+                <a:cs typeface="Inconsolata"/>
+              </a:rPr>
+              <a:t> == friend.age</a:t>
+            </a:r>
+            <a:r>
+              <a:rPr lang="en-US" sz="1200" b="1" dirty="0" smtClean="0">
+                <a:latin typeface="Inconsolata"/>
+                <a:cs typeface="Inconsolata"/>
+              </a:rPr>
+              <a:t>)</a:t>
+            </a:r>
+          </a:p>
+          <a:p>
+            <a:r>
+              <a:rPr lang="en-US" sz="1200" dirty="0" smtClean="0">
+                <a:latin typeface="Inconsolata"/>
+                <a:cs typeface="Inconsolata"/>
+              </a:rPr>
+              <a:t>      </a:t>
+            </a:r>
+            <a:r>
+              <a:rPr lang="en-US" sz="1200" b="1" dirty="0" smtClean="0">
+                <a:latin typeface="Inconsolata"/>
+                <a:cs typeface="Inconsolata"/>
+              </a:rPr>
+              <a:t>}</a:t>
+            </a:r>
+            <a:endParaRPr lang="en-US" sz="1200" b="1" dirty="0">
+              <a:latin typeface="Inconsolata"/>
+              <a:cs typeface="Inconsolata"/>
+            </a:endParaRPr>
+          </a:p>
+        </p:txBody>
+      </p:sp>
+      <p:sp>
+        <p:nvSpPr>
+          <p:cNvPr id="28" name="Rectangle 27"/>
+          <p:cNvSpPr/>
+          <p:nvPr/>
+        </p:nvSpPr>
+        <p:spPr>
+          <a:xfrm>
+            <a:off x="4944905" y="2712707"/>
+            <a:ext cx="217055" cy="230909"/>
+          </a:xfrm>
+          <a:prstGeom prst="rect">
+            <a:avLst/>
+          </a:prstGeom>
+          <a:solidFill>
+            <a:srgbClr val="BFBFBF"/>
+          </a:solidFill>
+          <a:ln>
+            <a:solidFill>
+              <a:schemeClr val="bg1">
+                <a:lumMod val="50000"/>
+              </a:schemeClr>
+            </a:solidFill>
+          </a:ln>
+        </p:spPr>
+        <p:style>
+          <a:lnRef idx="2">
+            <a:schemeClr val="accent1">
+              <a:shade val="50000"/>
+            </a:schemeClr>
+          </a:lnRef>
+          <a:fillRef idx="1">
+            <a:schemeClr val="accent1"/>
+          </a:fillRef>
+          <a:effectRef idx="0">
+            <a:schemeClr val="accent1"/>
+          </a:effectRef>
+          <a:fontRef idx="minor">
+            <a:schemeClr val="lt1"/>
+          </a:fontRef>
+        </p:style>
+        <p:txBody>
+          <a:bodyPr rtlCol="0" anchor="ctr"/>
+          <a:lstStyle/>
+          <a:p>
+            <a:pPr algn="ctr"/>
+            <a:endParaRPr lang="en-US"/>
+          </a:p>
+        </p:txBody>
+      </p:sp>
+      <p:sp>
+        <p:nvSpPr>
+          <p:cNvPr id="30" name="Rectangle 29"/>
+          <p:cNvSpPr/>
+          <p:nvPr/>
+        </p:nvSpPr>
+        <p:spPr>
+          <a:xfrm>
+            <a:off x="5379015" y="2712707"/>
+            <a:ext cx="217055" cy="230909"/>
+          </a:xfrm>
+          <a:prstGeom prst="rect">
+            <a:avLst/>
+          </a:prstGeom>
+          <a:solidFill>
+            <a:srgbClr val="BFBFBF"/>
+          </a:solidFill>
+          <a:ln>
+            <a:solidFill>
+              <a:schemeClr val="bg1">
+                <a:lumMod val="50000"/>
+              </a:schemeClr>
+            </a:solidFill>
+          </a:ln>
+        </p:spPr>
+        <p:style>
+          <a:lnRef idx="2">
+            <a:schemeClr val="accent1">
+              <a:shade val="50000"/>
+            </a:schemeClr>
+          </a:lnRef>
+          <a:fillRef idx="1">
+            <a:schemeClr val="accent1"/>
+          </a:fillRef>
+          <a:effectRef idx="0">
+            <a:schemeClr val="accent1"/>
+          </a:effectRef>
+          <a:fontRef idx="minor">
+            <a:schemeClr val="lt1"/>
+          </a:fontRef>
+        </p:style>
+        <p:txBody>
+          <a:bodyPr rtlCol="0" anchor="ctr"/>
+          <a:lstStyle/>
+          <a:p>
+            <a:pPr algn="ctr"/>
+            <a:endParaRPr lang="en-US"/>
+          </a:p>
+        </p:txBody>
+      </p:sp>
+      <p:sp>
+        <p:nvSpPr>
+          <p:cNvPr id="31" name="Rectangle 30"/>
+          <p:cNvSpPr/>
+          <p:nvPr/>
+        </p:nvSpPr>
+        <p:spPr>
+          <a:xfrm>
+            <a:off x="5593758" y="2712707"/>
+            <a:ext cx="217055" cy="230909"/>
+          </a:xfrm>
+          <a:prstGeom prst="rect">
+            <a:avLst/>
+          </a:prstGeom>
+          <a:solidFill>
+            <a:srgbClr val="BFBFBF"/>
+          </a:solidFill>
+          <a:ln>
+            <a:solidFill>
+              <a:schemeClr val="bg1">
+                <a:lumMod val="50000"/>
+              </a:schemeClr>
+            </a:solidFill>
+          </a:ln>
+        </p:spPr>
+        <p:style>
+          <a:lnRef idx="2">
+            <a:schemeClr val="accent1">
+              <a:shade val="50000"/>
+            </a:schemeClr>
+          </a:lnRef>
+          <a:fillRef idx="1">
+            <a:schemeClr val="accent1"/>
+          </a:fillRef>
+          <a:effectRef idx="0">
+            <a:schemeClr val="accent1"/>
+          </a:effectRef>
+          <a:fontRef idx="minor">
+            <a:schemeClr val="lt1"/>
+          </a:fontRef>
+        </p:style>
+        <p:txBody>
+          <a:bodyPr rtlCol="0" anchor="ctr"/>
+          <a:lstStyle/>
+          <a:p>
+            <a:pPr algn="ctr"/>
+            <a:endParaRPr lang="en-US"/>
+          </a:p>
+        </p:txBody>
+      </p:sp>
+      <p:sp>
+        <p:nvSpPr>
+          <p:cNvPr id="33" name="Rectangle 32"/>
+          <p:cNvSpPr/>
+          <p:nvPr/>
+        </p:nvSpPr>
+        <p:spPr>
+          <a:xfrm>
+            <a:off x="6023243" y="2712707"/>
+            <a:ext cx="217055" cy="230909"/>
+          </a:xfrm>
+          <a:prstGeom prst="rect">
+            <a:avLst/>
+          </a:prstGeom>
+          <a:solidFill>
+            <a:srgbClr val="BFBFBF"/>
+          </a:solidFill>
+          <a:ln>
+            <a:solidFill>
+              <a:schemeClr val="bg1">
+                <a:lumMod val="50000"/>
+              </a:schemeClr>
+            </a:solidFill>
+          </a:ln>
+        </p:spPr>
+        <p:style>
+          <a:lnRef idx="2">
+            <a:schemeClr val="accent1">
+              <a:shade val="50000"/>
+            </a:schemeClr>
+          </a:lnRef>
+          <a:fillRef idx="1">
+            <a:schemeClr val="accent1"/>
+          </a:fillRef>
+          <a:effectRef idx="0">
+            <a:schemeClr val="accent1"/>
+          </a:effectRef>
+          <a:fontRef idx="minor">
+            <a:schemeClr val="lt1"/>
+          </a:fontRef>
+        </p:style>
+        <p:txBody>
+          <a:bodyPr rtlCol="0" anchor="ctr"/>
+          <a:lstStyle/>
+          <a:p>
+            <a:pPr algn="ctr"/>
+            <a:endParaRPr lang="en-US"/>
+          </a:p>
+        </p:txBody>
+      </p:sp>
+      <p:sp>
+        <p:nvSpPr>
+          <p:cNvPr id="34" name="Rectangle 33"/>
+          <p:cNvSpPr/>
+          <p:nvPr/>
+        </p:nvSpPr>
+        <p:spPr>
+          <a:xfrm>
+            <a:off x="6240298" y="2712707"/>
+            <a:ext cx="217055" cy="230909"/>
+          </a:xfrm>
+          <a:prstGeom prst="rect">
+            <a:avLst/>
+          </a:prstGeom>
+          <a:solidFill>
+            <a:srgbClr val="BFBFBF"/>
+          </a:solidFill>
+          <a:ln>
+            <a:solidFill>
+              <a:schemeClr val="bg1">
+                <a:lumMod val="50000"/>
+              </a:schemeClr>
+            </a:solidFill>
+          </a:ln>
+        </p:spPr>
+        <p:style>
+          <a:lnRef idx="2">
+            <a:schemeClr val="accent1">
+              <a:shade val="50000"/>
+            </a:schemeClr>
+          </a:lnRef>
+          <a:fillRef idx="1">
+            <a:schemeClr val="accent1"/>
+          </a:fillRef>
+          <a:effectRef idx="0">
+            <a:schemeClr val="accent1"/>
+          </a:effectRef>
+          <a:fontRef idx="minor">
+            <a:schemeClr val="lt1"/>
+          </a:fontRef>
+        </p:style>
+        <p:txBody>
+          <a:bodyPr rtlCol="0" anchor="ctr"/>
+          <a:lstStyle/>
+          <a:p>
+            <a:pPr algn="ctr"/>
+            <a:endParaRPr lang="en-US"/>
+          </a:p>
+        </p:txBody>
+      </p:sp>
+      <p:sp>
+        <p:nvSpPr>
+          <p:cNvPr id="35" name="Rectangle 34"/>
+          <p:cNvSpPr/>
+          <p:nvPr/>
+        </p:nvSpPr>
+        <p:spPr>
+          <a:xfrm>
+            <a:off x="6457353" y="2712707"/>
+            <a:ext cx="217055" cy="230909"/>
+          </a:xfrm>
+          <a:prstGeom prst="rect">
+            <a:avLst/>
+          </a:prstGeom>
+          <a:solidFill>
+            <a:srgbClr val="BFBFBF"/>
+          </a:solidFill>
+          <a:ln>
+            <a:solidFill>
+              <a:schemeClr val="bg1">
+                <a:lumMod val="50000"/>
+              </a:schemeClr>
+            </a:solidFill>
+          </a:ln>
+        </p:spPr>
+        <p:style>
+          <a:lnRef idx="2">
+            <a:schemeClr val="accent1">
+              <a:shade val="50000"/>
+            </a:schemeClr>
+          </a:lnRef>
+          <a:fillRef idx="1">
+            <a:schemeClr val="accent1"/>
+          </a:fillRef>
+          <a:effectRef idx="0">
+            <a:schemeClr val="accent1"/>
+          </a:effectRef>
+          <a:fontRef idx="minor">
+            <a:schemeClr val="lt1"/>
+          </a:fontRef>
+        </p:style>
+        <p:txBody>
+          <a:bodyPr rtlCol="0" anchor="ctr"/>
+          <a:lstStyle/>
+          <a:p>
+            <a:pPr algn="ctr"/>
+            <a:endParaRPr lang="en-US"/>
+          </a:p>
+        </p:txBody>
+      </p:sp>
+      <p:sp>
+        <p:nvSpPr>
+          <p:cNvPr id="36" name="Rectangle 35"/>
+          <p:cNvSpPr/>
+          <p:nvPr/>
+        </p:nvSpPr>
+        <p:spPr>
+          <a:xfrm>
+            <a:off x="6674408" y="2712707"/>
+            <a:ext cx="217055" cy="230909"/>
+          </a:xfrm>
+          <a:prstGeom prst="rect">
+            <a:avLst/>
+          </a:prstGeom>
+          <a:solidFill>
+            <a:schemeClr val="tx2">
+              <a:lumMod val="40000"/>
+              <a:lumOff val="60000"/>
+            </a:schemeClr>
+          </a:solidFill>
+        </p:spPr>
+        <p:style>
+          <a:lnRef idx="2">
+            <a:schemeClr val="accent1">
+              <a:shade val="50000"/>
+            </a:schemeClr>
+          </a:lnRef>
+          <a:fillRef idx="1">
+            <a:schemeClr val="accent1"/>
+          </a:fillRef>
+          <a:effectRef idx="0">
+            <a:schemeClr val="accent1"/>
+          </a:effectRef>
+          <a:fontRef idx="minor">
+            <a:schemeClr val="lt1"/>
+          </a:fontRef>
+        </p:style>
+        <p:txBody>
+          <a:bodyPr rtlCol="0" anchor="ctr"/>
+          <a:lstStyle/>
+          <a:p>
+            <a:pPr algn="ctr"/>
+            <a:endParaRPr lang="en-US"/>
+          </a:p>
+        </p:txBody>
+      </p:sp>
+      <p:sp>
+        <p:nvSpPr>
+          <p:cNvPr id="5" name="Rectangle 4"/>
+          <p:cNvSpPr/>
+          <p:nvPr/>
+        </p:nvSpPr>
+        <p:spPr>
+          <a:xfrm>
+            <a:off x="4944905" y="1322673"/>
+            <a:ext cx="217055" cy="230909"/>
+          </a:xfrm>
+          <a:prstGeom prst="rect">
+            <a:avLst/>
+          </a:prstGeom>
+        </p:spPr>
+        <p:style>
+          <a:lnRef idx="2">
+            <a:schemeClr val="accent3">
+              <a:shade val="50000"/>
+            </a:schemeClr>
+          </a:lnRef>
+          <a:fillRef idx="1">
+            <a:schemeClr val="accent3"/>
+          </a:fillRef>
+          <a:effectRef idx="0">
+            <a:schemeClr val="accent3"/>
+          </a:effectRef>
+          <a:fontRef idx="minor">
+            <a:schemeClr val="lt1"/>
+          </a:fontRef>
+        </p:style>
+        <p:txBody>
+          <a:bodyPr rtlCol="0" anchor="ctr"/>
+          <a:lstStyle/>
+          <a:p>
+            <a:pPr algn="ctr"/>
+            <a:endParaRPr lang="en-US"/>
+          </a:p>
+        </p:txBody>
+      </p:sp>
+      <p:sp>
+        <p:nvSpPr>
+          <p:cNvPr id="8" name="Rectangle 7"/>
+          <p:cNvSpPr/>
+          <p:nvPr/>
+        </p:nvSpPr>
+        <p:spPr>
+          <a:xfrm>
+            <a:off x="5593758" y="1322673"/>
+            <a:ext cx="217055" cy="230909"/>
+          </a:xfrm>
+          <a:prstGeom prst="rect">
+            <a:avLst/>
+          </a:prstGeom>
+        </p:spPr>
+        <p:style>
+          <a:lnRef idx="2">
+            <a:schemeClr val="accent3">
+              <a:shade val="50000"/>
+            </a:schemeClr>
+          </a:lnRef>
+          <a:fillRef idx="1">
+            <a:schemeClr val="accent3"/>
+          </a:fillRef>
+          <a:effectRef idx="0">
+            <a:schemeClr val="accent3"/>
+          </a:effectRef>
+          <a:fontRef idx="minor">
+            <a:schemeClr val="lt1"/>
+          </a:fontRef>
+        </p:style>
+        <p:txBody>
+          <a:bodyPr rtlCol="0" anchor="ctr"/>
+          <a:lstStyle/>
+          <a:p>
+            <a:pPr algn="ctr"/>
+            <a:endParaRPr lang="en-US"/>
+          </a:p>
+        </p:txBody>
+      </p:sp>
+      <p:sp>
+        <p:nvSpPr>
+          <p:cNvPr id="9" name="Rectangle 8"/>
+          <p:cNvSpPr/>
+          <p:nvPr/>
+        </p:nvSpPr>
+        <p:spPr>
+          <a:xfrm>
+            <a:off x="5810811" y="1322673"/>
+            <a:ext cx="217055" cy="230909"/>
+          </a:xfrm>
+          <a:prstGeom prst="rect">
+            <a:avLst/>
+          </a:prstGeom>
+        </p:spPr>
+        <p:style>
+          <a:lnRef idx="2">
+            <a:schemeClr val="accent3">
+              <a:shade val="50000"/>
+            </a:schemeClr>
+          </a:lnRef>
+          <a:fillRef idx="1">
+            <a:schemeClr val="accent3"/>
+          </a:fillRef>
+          <a:effectRef idx="0">
+            <a:schemeClr val="accent3"/>
+          </a:effectRef>
+          <a:fontRef idx="minor">
+            <a:schemeClr val="lt1"/>
+          </a:fontRef>
+        </p:style>
+        <p:txBody>
+          <a:bodyPr rtlCol="0" anchor="ctr"/>
+          <a:lstStyle/>
+          <a:p>
+            <a:pPr algn="ctr"/>
+            <a:endParaRPr lang="en-US"/>
+          </a:p>
+        </p:txBody>
+      </p:sp>
+      <p:sp>
+        <p:nvSpPr>
+          <p:cNvPr id="21" name="Rectangle 20"/>
+          <p:cNvSpPr/>
+          <p:nvPr/>
+        </p:nvSpPr>
+        <p:spPr>
+          <a:xfrm>
+            <a:off x="5810813" y="2006148"/>
+            <a:ext cx="217055" cy="230909"/>
+          </a:xfrm>
+          <a:prstGeom prst="rect">
+            <a:avLst/>
+          </a:prstGeom>
+        </p:spPr>
+        <p:style>
+          <a:lnRef idx="2">
+            <a:schemeClr val="accent3">
+              <a:shade val="50000"/>
+            </a:schemeClr>
+          </a:lnRef>
+          <a:fillRef idx="1">
+            <a:schemeClr val="accent3"/>
+          </a:fillRef>
+          <a:effectRef idx="0">
+            <a:schemeClr val="accent3"/>
+          </a:effectRef>
+          <a:fontRef idx="minor">
+            <a:schemeClr val="lt1"/>
+          </a:fontRef>
+        </p:style>
+        <p:txBody>
+          <a:bodyPr rtlCol="0" anchor="ctr"/>
+          <a:lstStyle/>
+          <a:p>
+            <a:pPr algn="ctr"/>
+            <a:endParaRPr lang="en-US"/>
+          </a:p>
+        </p:txBody>
+      </p:sp>
+      <p:sp>
+        <p:nvSpPr>
+          <p:cNvPr id="32" name="Rectangle 31"/>
+          <p:cNvSpPr/>
+          <p:nvPr/>
+        </p:nvSpPr>
+        <p:spPr>
+          <a:xfrm>
+            <a:off x="5810811" y="2712707"/>
+            <a:ext cx="217055" cy="230909"/>
+          </a:xfrm>
+          <a:prstGeom prst="rect">
+            <a:avLst/>
+          </a:prstGeom>
+        </p:spPr>
+        <p:style>
+          <a:lnRef idx="2">
+            <a:schemeClr val="accent3">
+              <a:shade val="50000"/>
+            </a:schemeClr>
+          </a:lnRef>
+          <a:fillRef idx="1">
+            <a:schemeClr val="accent3"/>
+          </a:fillRef>
+          <a:effectRef idx="0">
+            <a:schemeClr val="accent3"/>
+          </a:effectRef>
+          <a:fontRef idx="minor">
+            <a:schemeClr val="lt1"/>
+          </a:fontRef>
+        </p:style>
+        <p:txBody>
+          <a:bodyPr rtlCol="0" anchor="ctr"/>
+          <a:lstStyle/>
+          <a:p>
+            <a:pPr algn="ctr"/>
+            <a:endParaRPr lang="en-US"/>
+          </a:p>
+        </p:txBody>
+      </p:sp>
+      <p:sp>
+        <p:nvSpPr>
+          <p:cNvPr id="6" name="Rectangle 5"/>
+          <p:cNvSpPr/>
+          <p:nvPr/>
+        </p:nvSpPr>
+        <p:spPr>
+          <a:xfrm>
+            <a:off x="5161960" y="1322673"/>
+            <a:ext cx="217055" cy="230909"/>
+          </a:xfrm>
+          <a:prstGeom prst="rect">
+            <a:avLst/>
+          </a:prstGeom>
+        </p:spPr>
+        <p:style>
+          <a:lnRef idx="2">
+            <a:schemeClr val="accent3">
+              <a:shade val="50000"/>
+            </a:schemeClr>
+          </a:lnRef>
+          <a:fillRef idx="1">
+            <a:schemeClr val="accent3"/>
+          </a:fillRef>
+          <a:effectRef idx="0">
+            <a:schemeClr val="accent3"/>
+          </a:effectRef>
+          <a:fontRef idx="minor">
+            <a:schemeClr val="lt1"/>
+          </a:fontRef>
+        </p:style>
+        <p:txBody>
+          <a:bodyPr rtlCol="0" anchor="ctr"/>
+          <a:lstStyle/>
+          <a:p>
+            <a:pPr algn="ctr"/>
+            <a:endParaRPr lang="en-US"/>
+          </a:p>
+        </p:txBody>
+      </p:sp>
+      <p:sp>
+        <p:nvSpPr>
+          <p:cNvPr id="11" name="Rectangle 10"/>
+          <p:cNvSpPr/>
+          <p:nvPr/>
+        </p:nvSpPr>
+        <p:spPr>
+          <a:xfrm>
+            <a:off x="6240298" y="1322673"/>
+            <a:ext cx="217055" cy="230909"/>
+          </a:xfrm>
+          <a:prstGeom prst="rect">
+            <a:avLst/>
+          </a:prstGeom>
+        </p:spPr>
+        <p:style>
+          <a:lnRef idx="2">
+            <a:schemeClr val="accent3">
+              <a:shade val="50000"/>
+            </a:schemeClr>
+          </a:lnRef>
+          <a:fillRef idx="1">
+            <a:schemeClr val="accent3"/>
+          </a:fillRef>
+          <a:effectRef idx="0">
+            <a:schemeClr val="accent3"/>
+          </a:effectRef>
+          <a:fontRef idx="minor">
+            <a:schemeClr val="lt1"/>
+          </a:fontRef>
+        </p:style>
+        <p:txBody>
+          <a:bodyPr rtlCol="0" anchor="ctr"/>
+          <a:lstStyle/>
+          <a:p>
+            <a:pPr algn="ctr"/>
+            <a:endParaRPr lang="en-US"/>
+          </a:p>
+        </p:txBody>
+      </p:sp>
+      <p:sp>
+        <p:nvSpPr>
+          <p:cNvPr id="13" name="Rectangle 12"/>
+          <p:cNvSpPr/>
+          <p:nvPr/>
+        </p:nvSpPr>
+        <p:spPr>
+          <a:xfrm>
+            <a:off x="6674408" y="1322673"/>
+            <a:ext cx="217055" cy="230909"/>
+          </a:xfrm>
+          <a:prstGeom prst="rect">
+            <a:avLst/>
+          </a:prstGeom>
+        </p:spPr>
+        <p:style>
+          <a:lnRef idx="2">
+            <a:schemeClr val="accent3">
+              <a:shade val="50000"/>
+            </a:schemeClr>
+          </a:lnRef>
+          <a:fillRef idx="1">
+            <a:schemeClr val="accent3"/>
+          </a:fillRef>
+          <a:effectRef idx="0">
+            <a:schemeClr val="accent3"/>
+          </a:effectRef>
+          <a:fontRef idx="minor">
+            <a:schemeClr val="lt1"/>
+          </a:fontRef>
+        </p:style>
+        <p:txBody>
+          <a:bodyPr rtlCol="0" anchor="ctr"/>
+          <a:lstStyle/>
+          <a:p>
+            <a:pPr algn="ctr"/>
+            <a:endParaRPr lang="en-US"/>
+          </a:p>
+        </p:txBody>
+      </p:sp>
+      <p:sp>
+        <p:nvSpPr>
+          <p:cNvPr id="14" name="Rectangle 13"/>
+          <p:cNvSpPr/>
+          <p:nvPr/>
+        </p:nvSpPr>
+        <p:spPr>
+          <a:xfrm>
+            <a:off x="6891463" y="1322673"/>
+            <a:ext cx="217055" cy="230909"/>
+          </a:xfrm>
+          <a:prstGeom prst="rect">
+            <a:avLst/>
+          </a:prstGeom>
+        </p:spPr>
+        <p:style>
+          <a:lnRef idx="2">
+            <a:schemeClr val="accent3">
+              <a:shade val="50000"/>
+            </a:schemeClr>
+          </a:lnRef>
+          <a:fillRef idx="1">
+            <a:schemeClr val="accent3"/>
+          </a:fillRef>
+          <a:effectRef idx="0">
+            <a:schemeClr val="accent3"/>
+          </a:effectRef>
+          <a:fontRef idx="minor">
+            <a:schemeClr val="lt1"/>
+          </a:fontRef>
+        </p:style>
+        <p:txBody>
+          <a:bodyPr rtlCol="0" anchor="ctr"/>
+          <a:lstStyle/>
+          <a:p>
+            <a:pPr algn="ctr"/>
+            <a:endParaRPr lang="en-US"/>
+          </a:p>
+        </p:txBody>
+      </p:sp>
+      <p:sp>
+        <p:nvSpPr>
+          <p:cNvPr id="18" name="Rectangle 17"/>
+          <p:cNvSpPr/>
+          <p:nvPr/>
+        </p:nvSpPr>
+        <p:spPr>
+          <a:xfrm>
+            <a:off x="5161962" y="2006148"/>
+            <a:ext cx="217055" cy="230909"/>
+          </a:xfrm>
+          <a:prstGeom prst="rect">
+            <a:avLst/>
+          </a:prstGeom>
+        </p:spPr>
+        <p:style>
+          <a:lnRef idx="2">
+            <a:schemeClr val="accent3">
+              <a:shade val="50000"/>
+            </a:schemeClr>
+          </a:lnRef>
+          <a:fillRef idx="1">
+            <a:schemeClr val="accent3"/>
+          </a:fillRef>
+          <a:effectRef idx="0">
+            <a:schemeClr val="accent3"/>
+          </a:effectRef>
+          <a:fontRef idx="minor">
+            <a:schemeClr val="lt1"/>
+          </a:fontRef>
+        </p:style>
+        <p:txBody>
+          <a:bodyPr rtlCol="0" anchor="ctr"/>
+          <a:lstStyle/>
+          <a:p>
+            <a:pPr algn="ctr"/>
+            <a:endParaRPr lang="en-US"/>
+          </a:p>
+        </p:txBody>
+      </p:sp>
+      <p:sp>
+        <p:nvSpPr>
+          <p:cNvPr id="25" name="Rectangle 24"/>
+          <p:cNvSpPr/>
+          <p:nvPr/>
+        </p:nvSpPr>
+        <p:spPr>
+          <a:xfrm>
+            <a:off x="6674410" y="2006148"/>
+            <a:ext cx="217055" cy="230909"/>
+          </a:xfrm>
+          <a:prstGeom prst="rect">
+            <a:avLst/>
+          </a:prstGeom>
+        </p:spPr>
+        <p:style>
+          <a:lnRef idx="2">
+            <a:schemeClr val="accent3">
+              <a:shade val="50000"/>
+            </a:schemeClr>
+          </a:lnRef>
+          <a:fillRef idx="1">
+            <a:schemeClr val="accent3"/>
+          </a:fillRef>
+          <a:effectRef idx="0">
+            <a:schemeClr val="accent3"/>
+          </a:effectRef>
+          <a:fontRef idx="minor">
+            <a:schemeClr val="lt1"/>
+          </a:fontRef>
+        </p:style>
+        <p:txBody>
+          <a:bodyPr rtlCol="0" anchor="ctr"/>
+          <a:lstStyle/>
+          <a:p>
+            <a:pPr algn="ctr"/>
+            <a:endParaRPr lang="en-US"/>
+          </a:p>
+        </p:txBody>
+      </p:sp>
+      <p:sp>
+        <p:nvSpPr>
+          <p:cNvPr id="26" name="Rectangle 25"/>
+          <p:cNvSpPr/>
+          <p:nvPr/>
+        </p:nvSpPr>
+        <p:spPr>
+          <a:xfrm>
+            <a:off x="6891465" y="2006148"/>
+            <a:ext cx="217055" cy="230909"/>
+          </a:xfrm>
+          <a:prstGeom prst="rect">
+            <a:avLst/>
+          </a:prstGeom>
+        </p:spPr>
+        <p:style>
+          <a:lnRef idx="2">
+            <a:schemeClr val="accent3">
+              <a:shade val="50000"/>
+            </a:schemeClr>
+          </a:lnRef>
+          <a:fillRef idx="1">
+            <a:schemeClr val="accent3"/>
+          </a:fillRef>
+          <a:effectRef idx="0">
+            <a:schemeClr val="accent3"/>
+          </a:effectRef>
+          <a:fontRef idx="minor">
+            <a:schemeClr val="lt1"/>
+          </a:fontRef>
+        </p:style>
+        <p:txBody>
+          <a:bodyPr rtlCol="0" anchor="ctr"/>
+          <a:lstStyle/>
+          <a:p>
+            <a:pPr algn="ctr"/>
+            <a:endParaRPr lang="en-US"/>
+          </a:p>
+        </p:txBody>
+      </p:sp>
+      <p:sp>
+        <p:nvSpPr>
+          <p:cNvPr id="37" name="Rectangle 36"/>
+          <p:cNvSpPr/>
+          <p:nvPr/>
+        </p:nvSpPr>
+        <p:spPr>
+          <a:xfrm>
+            <a:off x="6891463" y="2712707"/>
+            <a:ext cx="217055" cy="230909"/>
+          </a:xfrm>
+          <a:prstGeom prst="rect">
+            <a:avLst/>
+          </a:prstGeom>
+        </p:spPr>
+        <p:style>
+          <a:lnRef idx="2">
+            <a:schemeClr val="accent3">
+              <a:shade val="50000"/>
+            </a:schemeClr>
+          </a:lnRef>
+          <a:fillRef idx="1">
+            <a:schemeClr val="accent3"/>
+          </a:fillRef>
+          <a:effectRef idx="0">
+            <a:schemeClr val="accent3"/>
+          </a:effectRef>
+          <a:fontRef idx="minor">
+            <a:schemeClr val="lt1"/>
+          </a:fontRef>
+        </p:style>
+        <p:txBody>
+          <a:bodyPr rtlCol="0" anchor="ctr"/>
+          <a:lstStyle/>
+          <a:p>
+            <a:pPr algn="ctr"/>
+            <a:endParaRPr lang="en-US"/>
+          </a:p>
+        </p:txBody>
+      </p:sp>
+      <p:sp>
+        <p:nvSpPr>
+          <p:cNvPr id="29" name="Rectangle 28"/>
+          <p:cNvSpPr/>
+          <p:nvPr/>
+        </p:nvSpPr>
+        <p:spPr>
+          <a:xfrm>
+            <a:off x="5161960" y="2712707"/>
+            <a:ext cx="217055" cy="230909"/>
+          </a:xfrm>
+          <a:prstGeom prst="rect">
+            <a:avLst/>
+          </a:prstGeom>
+          <a:solidFill>
+            <a:schemeClr val="tx2">
+              <a:lumMod val="40000"/>
+              <a:lumOff val="60000"/>
+            </a:schemeClr>
+          </a:solidFill>
+        </p:spPr>
+        <p:style>
+          <a:lnRef idx="2">
+            <a:schemeClr val="accent1">
+              <a:shade val="50000"/>
+            </a:schemeClr>
+          </a:lnRef>
+          <a:fillRef idx="1">
+            <a:schemeClr val="accent1"/>
+          </a:fillRef>
+          <a:effectRef idx="0">
+            <a:schemeClr val="accent1"/>
+          </a:effectRef>
+          <a:fontRef idx="minor">
+            <a:schemeClr val="lt1"/>
+          </a:fontRef>
+        </p:style>
+        <p:txBody>
+          <a:bodyPr rtlCol="0" anchor="ctr"/>
+          <a:lstStyle/>
+          <a:p>
+            <a:pPr algn="ctr"/>
+            <a:endParaRPr lang="en-US"/>
+          </a:p>
+        </p:txBody>
+      </p:sp>
+      <p:sp>
+        <p:nvSpPr>
+          <p:cNvPr id="50" name="Down Arrow 49"/>
+          <p:cNvSpPr/>
+          <p:nvPr/>
+        </p:nvSpPr>
+        <p:spPr>
+          <a:xfrm>
+            <a:off x="5010042" y="1560180"/>
+            <a:ext cx="92363" cy="432628"/>
+          </a:xfrm>
+          <a:prstGeom prst="downArrow">
+            <a:avLst/>
+          </a:prstGeom>
+          <a:gradFill>
+            <a:gsLst>
+              <a:gs pos="0">
+                <a:schemeClr val="tx2"/>
+              </a:gs>
+              <a:gs pos="100000">
+                <a:schemeClr val="accent3">
+                  <a:lumMod val="75000"/>
+                </a:schemeClr>
+              </a:gs>
+            </a:gsLst>
+          </a:gradFill>
+          <a:ln>
+            <a:noFill/>
+          </a:ln>
+          <a:effectLst/>
+        </p:spPr>
+        <p:style>
+          <a:lnRef idx="1">
+            <a:schemeClr val="accent1"/>
+          </a:lnRef>
+          <a:fillRef idx="3">
+            <a:schemeClr val="accent1"/>
+          </a:fillRef>
+          <a:effectRef idx="2">
+            <a:schemeClr val="accent1"/>
+          </a:effectRef>
+          <a:fontRef idx="minor">
+            <a:schemeClr val="lt1"/>
+          </a:fontRef>
+        </p:style>
+        <p:txBody>
+          <a:bodyPr rtlCol="0" anchor="ctr"/>
+          <a:lstStyle/>
+          <a:p>
+            <a:pPr algn="ctr"/>
+            <a:endParaRPr lang="en-US"/>
+          </a:p>
+        </p:txBody>
+      </p:sp>
+      <p:sp>
+        <p:nvSpPr>
+          <p:cNvPr id="51" name="Down Arrow 50"/>
+          <p:cNvSpPr/>
+          <p:nvPr/>
+        </p:nvSpPr>
+        <p:spPr>
+          <a:xfrm>
+            <a:off x="5657247" y="1562798"/>
+            <a:ext cx="92363" cy="432628"/>
+          </a:xfrm>
+          <a:prstGeom prst="downArrow">
+            <a:avLst/>
+          </a:prstGeom>
+          <a:gradFill>
+            <a:gsLst>
+              <a:gs pos="0">
+                <a:schemeClr val="tx2"/>
+              </a:gs>
+              <a:gs pos="100000">
+                <a:schemeClr val="accent3">
+                  <a:lumMod val="75000"/>
+                </a:schemeClr>
+              </a:gs>
+            </a:gsLst>
+          </a:gradFill>
+          <a:ln>
+            <a:noFill/>
+          </a:ln>
+          <a:effectLst/>
+        </p:spPr>
+        <p:style>
+          <a:lnRef idx="1">
+            <a:schemeClr val="accent1"/>
+          </a:lnRef>
+          <a:fillRef idx="3">
+            <a:schemeClr val="accent1"/>
+          </a:fillRef>
+          <a:effectRef idx="2">
+            <a:schemeClr val="accent1"/>
+          </a:effectRef>
+          <a:fontRef idx="minor">
+            <a:schemeClr val="lt1"/>
+          </a:fontRef>
+        </p:style>
+        <p:txBody>
+          <a:bodyPr rtlCol="0" anchor="ctr"/>
+          <a:lstStyle/>
+          <a:p>
+            <a:pPr algn="ctr"/>
+            <a:endParaRPr lang="en-US"/>
+          </a:p>
+        </p:txBody>
+      </p:sp>
+      <p:sp>
+        <p:nvSpPr>
+          <p:cNvPr id="52" name="Down Arrow 51"/>
+          <p:cNvSpPr/>
+          <p:nvPr/>
+        </p:nvSpPr>
+        <p:spPr>
+          <a:xfrm>
+            <a:off x="6304452" y="1564864"/>
+            <a:ext cx="92363" cy="432628"/>
+          </a:xfrm>
+          <a:prstGeom prst="downArrow">
+            <a:avLst/>
+          </a:prstGeom>
+          <a:gradFill>
+            <a:gsLst>
+              <a:gs pos="0">
+                <a:schemeClr val="tx2"/>
+              </a:gs>
+              <a:gs pos="100000">
+                <a:schemeClr val="accent3">
+                  <a:lumMod val="75000"/>
+                </a:schemeClr>
+              </a:gs>
+            </a:gsLst>
+          </a:gradFill>
+          <a:ln>
+            <a:noFill/>
+          </a:ln>
+          <a:effectLst/>
+        </p:spPr>
+        <p:style>
+          <a:lnRef idx="1">
+            <a:schemeClr val="accent1"/>
+          </a:lnRef>
+          <a:fillRef idx="3">
+            <a:schemeClr val="accent1"/>
+          </a:fillRef>
+          <a:effectRef idx="2">
+            <a:schemeClr val="accent1"/>
+          </a:effectRef>
+          <a:fontRef idx="minor">
+            <a:schemeClr val="lt1"/>
+          </a:fontRef>
+        </p:style>
+        <p:txBody>
+          <a:bodyPr rtlCol="0" anchor="ctr"/>
+          <a:lstStyle/>
+          <a:p>
+            <a:pPr algn="ctr"/>
+            <a:endParaRPr lang="en-US"/>
+          </a:p>
+        </p:txBody>
+      </p:sp>
+      <p:sp>
+        <p:nvSpPr>
+          <p:cNvPr id="23" name="Rectangle 22"/>
+          <p:cNvSpPr/>
+          <p:nvPr/>
+        </p:nvSpPr>
+        <p:spPr>
+          <a:xfrm>
+            <a:off x="6240300" y="2006148"/>
+            <a:ext cx="217055" cy="230909"/>
+          </a:xfrm>
+          <a:prstGeom prst="rect">
+            <a:avLst/>
+          </a:prstGeom>
+          <a:solidFill>
+            <a:srgbClr val="95B3D7"/>
+          </a:solidFill>
+          <a:ln/>
+        </p:spPr>
+        <p:style>
+          <a:lnRef idx="2">
+            <a:schemeClr val="accent1">
+              <a:shade val="50000"/>
+            </a:schemeClr>
+          </a:lnRef>
+          <a:fillRef idx="1">
+            <a:schemeClr val="accent1"/>
+          </a:fillRef>
+          <a:effectRef idx="0">
+            <a:schemeClr val="accent1"/>
+          </a:effectRef>
+          <a:fontRef idx="minor">
+            <a:schemeClr val="lt1"/>
+          </a:fontRef>
+        </p:style>
+        <p:txBody>
+          <a:bodyPr rtlCol="0" anchor="ctr"/>
+          <a:lstStyle/>
+          <a:p>
+            <a:pPr algn="ctr"/>
+            <a:endParaRPr lang="en-US"/>
+          </a:p>
+        </p:txBody>
+      </p:sp>
+      <p:sp>
+        <p:nvSpPr>
+          <p:cNvPr id="53" name="Down Arrow 52"/>
+          <p:cNvSpPr/>
+          <p:nvPr/>
+        </p:nvSpPr>
+        <p:spPr>
+          <a:xfrm>
+            <a:off x="5223151" y="2245991"/>
+            <a:ext cx="92363" cy="456691"/>
+          </a:xfrm>
+          <a:prstGeom prst="downArrow">
+            <a:avLst/>
+          </a:prstGeom>
+          <a:gradFill>
+            <a:gsLst>
+              <a:gs pos="0">
+                <a:schemeClr val="tx2"/>
+              </a:gs>
+              <a:gs pos="100000">
+                <a:schemeClr val="accent3">
+                  <a:lumMod val="75000"/>
+                </a:schemeClr>
+              </a:gs>
+            </a:gsLst>
+          </a:gradFill>
+          <a:ln>
+            <a:noFill/>
+          </a:ln>
+          <a:effectLst/>
+        </p:spPr>
+        <p:style>
+          <a:lnRef idx="1">
+            <a:schemeClr val="accent1"/>
+          </a:lnRef>
+          <a:fillRef idx="3">
+            <a:schemeClr val="accent1"/>
+          </a:fillRef>
+          <a:effectRef idx="2">
+            <a:schemeClr val="accent1"/>
+          </a:effectRef>
+          <a:fontRef idx="minor">
+            <a:schemeClr val="lt1"/>
+          </a:fontRef>
+        </p:style>
+        <p:txBody>
+          <a:bodyPr rtlCol="0" anchor="ctr"/>
+          <a:lstStyle/>
+          <a:p>
+            <a:pPr algn="ctr"/>
+            <a:endParaRPr lang="en-US"/>
+          </a:p>
+        </p:txBody>
+      </p:sp>
+      <p:sp>
+        <p:nvSpPr>
+          <p:cNvPr id="54" name="Down Arrow 53"/>
+          <p:cNvSpPr/>
+          <p:nvPr/>
+        </p:nvSpPr>
+        <p:spPr>
+          <a:xfrm>
+            <a:off x="6734453" y="2243655"/>
+            <a:ext cx="92363" cy="456691"/>
+          </a:xfrm>
+          <a:prstGeom prst="downArrow">
+            <a:avLst/>
+          </a:prstGeom>
+          <a:gradFill>
+            <a:gsLst>
+              <a:gs pos="0">
+                <a:schemeClr val="tx2"/>
+              </a:gs>
+              <a:gs pos="100000">
+                <a:schemeClr val="accent3">
+                  <a:lumMod val="75000"/>
+                </a:schemeClr>
+              </a:gs>
+            </a:gsLst>
+          </a:gradFill>
+          <a:ln>
+            <a:noFill/>
+          </a:ln>
+          <a:effectLst/>
+        </p:spPr>
+        <p:style>
+          <a:lnRef idx="1">
+            <a:schemeClr val="accent1"/>
+          </a:lnRef>
+          <a:fillRef idx="3">
+            <a:schemeClr val="accent1"/>
+          </a:fillRef>
+          <a:effectRef idx="2">
+            <a:schemeClr val="accent1"/>
+          </a:effectRef>
+          <a:fontRef idx="minor">
+            <a:schemeClr val="lt1"/>
+          </a:fontRef>
+        </p:style>
+        <p:txBody>
+          <a:bodyPr rtlCol="0" anchor="ctr"/>
+          <a:lstStyle/>
+          <a:p>
+            <a:pPr algn="ctr"/>
+            <a:endParaRPr lang="en-US"/>
+          </a:p>
+        </p:txBody>
+      </p:sp>
+      <p:sp>
+        <p:nvSpPr>
+          <p:cNvPr id="55" name="Down Arrow 54"/>
+          <p:cNvSpPr/>
+          <p:nvPr/>
+        </p:nvSpPr>
+        <p:spPr>
+          <a:xfrm>
+            <a:off x="5223151" y="1562798"/>
+            <a:ext cx="92363" cy="432628"/>
+          </a:xfrm>
+          <a:prstGeom prst="downArrow">
+            <a:avLst/>
+          </a:prstGeom>
+          <a:solidFill>
+            <a:schemeClr val="accent3">
+              <a:lumMod val="75000"/>
+            </a:schemeClr>
+          </a:solidFill>
+          <a:ln>
+            <a:noFill/>
+          </a:ln>
+          <a:effectLst/>
+        </p:spPr>
+        <p:style>
+          <a:lnRef idx="1">
+            <a:schemeClr val="accent1"/>
+          </a:lnRef>
+          <a:fillRef idx="3">
+            <a:schemeClr val="accent1"/>
+          </a:fillRef>
+          <a:effectRef idx="2">
+            <a:schemeClr val="accent1"/>
+          </a:effectRef>
+          <a:fontRef idx="minor">
+            <a:schemeClr val="lt1"/>
+          </a:fontRef>
+        </p:style>
+        <p:txBody>
+          <a:bodyPr rtlCol="0" anchor="ctr"/>
+          <a:lstStyle/>
+          <a:p>
+            <a:pPr algn="ctr"/>
+            <a:endParaRPr lang="en-US"/>
+          </a:p>
+        </p:txBody>
+      </p:sp>
+      <p:sp>
+        <p:nvSpPr>
+          <p:cNvPr id="56" name="Down Arrow 55"/>
+          <p:cNvSpPr/>
+          <p:nvPr/>
+        </p:nvSpPr>
+        <p:spPr>
+          <a:xfrm>
+            <a:off x="5868530" y="1561974"/>
+            <a:ext cx="92363" cy="432628"/>
+          </a:xfrm>
+          <a:prstGeom prst="downArrow">
+            <a:avLst/>
+          </a:prstGeom>
+          <a:solidFill>
+            <a:schemeClr val="accent3">
+              <a:lumMod val="75000"/>
+            </a:schemeClr>
+          </a:solidFill>
+          <a:ln>
+            <a:noFill/>
+          </a:ln>
+          <a:effectLst/>
+        </p:spPr>
+        <p:style>
+          <a:lnRef idx="1">
+            <a:schemeClr val="accent1"/>
+          </a:lnRef>
+          <a:fillRef idx="3">
+            <a:schemeClr val="accent1"/>
+          </a:fillRef>
+          <a:effectRef idx="2">
+            <a:schemeClr val="accent1"/>
+          </a:effectRef>
+          <a:fontRef idx="minor">
+            <a:schemeClr val="lt1"/>
+          </a:fontRef>
+        </p:style>
+        <p:txBody>
+          <a:bodyPr rtlCol="0" anchor="ctr"/>
+          <a:lstStyle/>
+          <a:p>
+            <a:pPr algn="ctr"/>
+            <a:endParaRPr lang="en-US"/>
+          </a:p>
+        </p:txBody>
+      </p:sp>
+      <p:sp>
+        <p:nvSpPr>
+          <p:cNvPr id="57" name="Down Arrow 56"/>
+          <p:cNvSpPr/>
+          <p:nvPr/>
+        </p:nvSpPr>
+        <p:spPr>
+          <a:xfrm>
+            <a:off x="6734453" y="1564864"/>
+            <a:ext cx="92363" cy="432628"/>
+          </a:xfrm>
+          <a:prstGeom prst="downArrow">
+            <a:avLst/>
+          </a:prstGeom>
+          <a:solidFill>
+            <a:schemeClr val="accent3">
+              <a:lumMod val="75000"/>
+            </a:schemeClr>
+          </a:solidFill>
+          <a:ln>
+            <a:noFill/>
+          </a:ln>
+          <a:effectLst/>
+        </p:spPr>
+        <p:style>
+          <a:lnRef idx="1">
+            <a:schemeClr val="accent1"/>
+          </a:lnRef>
+          <a:fillRef idx="3">
+            <a:schemeClr val="accent1"/>
+          </a:fillRef>
+          <a:effectRef idx="2">
+            <a:schemeClr val="accent1"/>
+          </a:effectRef>
+          <a:fontRef idx="minor">
+            <a:schemeClr val="lt1"/>
+          </a:fontRef>
+        </p:style>
+        <p:txBody>
+          <a:bodyPr rtlCol="0" anchor="ctr"/>
+          <a:lstStyle/>
+          <a:p>
+            <a:pPr algn="ctr"/>
+            <a:endParaRPr lang="en-US"/>
+          </a:p>
+        </p:txBody>
+      </p:sp>
+      <p:sp>
+        <p:nvSpPr>
+          <p:cNvPr id="58" name="Down Arrow 57"/>
+          <p:cNvSpPr/>
+          <p:nvPr/>
+        </p:nvSpPr>
+        <p:spPr>
+          <a:xfrm>
+            <a:off x="6950351" y="1561974"/>
+            <a:ext cx="92363" cy="432628"/>
+          </a:xfrm>
+          <a:prstGeom prst="downArrow">
+            <a:avLst/>
+          </a:prstGeom>
+          <a:solidFill>
+            <a:schemeClr val="accent3">
+              <a:lumMod val="75000"/>
+            </a:schemeClr>
+          </a:solidFill>
+          <a:ln>
+            <a:noFill/>
+          </a:ln>
+          <a:effectLst/>
+        </p:spPr>
+        <p:style>
+          <a:lnRef idx="1">
+            <a:schemeClr val="accent1"/>
+          </a:lnRef>
+          <a:fillRef idx="3">
+            <a:schemeClr val="accent1"/>
+          </a:fillRef>
+          <a:effectRef idx="2">
+            <a:schemeClr val="accent1"/>
+          </a:effectRef>
+          <a:fontRef idx="minor">
+            <a:schemeClr val="lt1"/>
+          </a:fontRef>
+        </p:style>
+        <p:txBody>
+          <a:bodyPr rtlCol="0" anchor="ctr"/>
+          <a:lstStyle/>
+          <a:p>
+            <a:pPr algn="ctr"/>
+            <a:endParaRPr lang="en-US"/>
+          </a:p>
+        </p:txBody>
+      </p:sp>
+      <p:sp>
+        <p:nvSpPr>
+          <p:cNvPr id="59" name="Down Arrow 58"/>
+          <p:cNvSpPr/>
+          <p:nvPr/>
+        </p:nvSpPr>
+        <p:spPr>
+          <a:xfrm>
+            <a:off x="5868517" y="2234446"/>
+            <a:ext cx="92363" cy="468364"/>
+          </a:xfrm>
+          <a:prstGeom prst="downArrow">
+            <a:avLst/>
+          </a:prstGeom>
+          <a:solidFill>
+            <a:schemeClr val="accent3">
+              <a:lumMod val="75000"/>
+            </a:schemeClr>
+          </a:solidFill>
+          <a:ln>
+            <a:noFill/>
+          </a:ln>
+          <a:effectLst/>
+        </p:spPr>
+        <p:style>
+          <a:lnRef idx="1">
+            <a:schemeClr val="accent1"/>
+          </a:lnRef>
+          <a:fillRef idx="3">
+            <a:schemeClr val="accent1"/>
+          </a:fillRef>
+          <a:effectRef idx="2">
+            <a:schemeClr val="accent1"/>
+          </a:effectRef>
+          <a:fontRef idx="minor">
+            <a:schemeClr val="lt1"/>
+          </a:fontRef>
+        </p:style>
+        <p:txBody>
+          <a:bodyPr rtlCol="0" anchor="ctr"/>
+          <a:lstStyle/>
+          <a:p>
+            <a:pPr algn="ctr"/>
+            <a:endParaRPr lang="en-US"/>
+          </a:p>
+        </p:txBody>
+      </p:sp>
+      <p:sp>
+        <p:nvSpPr>
+          <p:cNvPr id="60" name="Down Arrow 59"/>
+          <p:cNvSpPr/>
+          <p:nvPr/>
+        </p:nvSpPr>
+        <p:spPr>
+          <a:xfrm>
+            <a:off x="6950351" y="2232795"/>
+            <a:ext cx="92363" cy="468364"/>
+          </a:xfrm>
+          <a:prstGeom prst="downArrow">
+            <a:avLst/>
+          </a:prstGeom>
+          <a:solidFill>
+            <a:schemeClr val="accent3">
+              <a:lumMod val="75000"/>
+            </a:schemeClr>
+          </a:solidFill>
+          <a:ln>
+            <a:noFill/>
+          </a:ln>
+          <a:effectLst/>
+        </p:spPr>
+        <p:style>
+          <a:lnRef idx="1">
+            <a:schemeClr val="accent1"/>
+          </a:lnRef>
+          <a:fillRef idx="3">
+            <a:schemeClr val="accent1"/>
+          </a:fillRef>
+          <a:effectRef idx="2">
+            <a:schemeClr val="accent1"/>
+          </a:effectRef>
+          <a:fontRef idx="minor">
+            <a:schemeClr val="lt1"/>
+          </a:fontRef>
+        </p:style>
+        <p:txBody>
+          <a:bodyPr rtlCol="0" anchor="ctr"/>
+          <a:lstStyle/>
+          <a:p>
+            <a:pPr algn="ctr"/>
+            <a:endParaRPr lang="en-US"/>
+          </a:p>
+        </p:txBody>
+      </p:sp>
+      <p:sp>
+        <p:nvSpPr>
+          <p:cNvPr id="61" name="Rectangle 60"/>
+          <p:cNvSpPr/>
+          <p:nvPr/>
+        </p:nvSpPr>
+        <p:spPr>
+          <a:xfrm>
+            <a:off x="5665459" y="3408804"/>
+            <a:ext cx="138071" cy="146884"/>
+          </a:xfrm>
+          <a:prstGeom prst="rect">
+            <a:avLst/>
+          </a:prstGeom>
+          <a:solidFill>
+            <a:schemeClr val="tx2">
+              <a:lumMod val="40000"/>
+              <a:lumOff val="60000"/>
+            </a:schemeClr>
+          </a:solidFill>
+        </p:spPr>
+        <p:style>
+          <a:lnRef idx="2">
+            <a:schemeClr val="accent1">
+              <a:shade val="50000"/>
+            </a:schemeClr>
+          </a:lnRef>
+          <a:fillRef idx="1">
+            <a:schemeClr val="accent1"/>
+          </a:fillRef>
+          <a:effectRef idx="0">
+            <a:schemeClr val="accent1"/>
+          </a:effectRef>
+          <a:fontRef idx="minor">
+            <a:schemeClr val="lt1"/>
+          </a:fontRef>
+        </p:style>
+        <p:txBody>
+          <a:bodyPr rtlCol="0" anchor="ctr"/>
+          <a:lstStyle/>
+          <a:p>
+            <a:pPr algn="ctr"/>
+            <a:endParaRPr lang="en-US"/>
+          </a:p>
+        </p:txBody>
+      </p:sp>
+      <p:sp>
+        <p:nvSpPr>
+          <p:cNvPr id="62" name="Rectangle 61"/>
+          <p:cNvSpPr/>
+          <p:nvPr/>
+        </p:nvSpPr>
+        <p:spPr>
+          <a:xfrm>
+            <a:off x="5665459" y="3635785"/>
+            <a:ext cx="138071" cy="146884"/>
+          </a:xfrm>
+          <a:prstGeom prst="rect">
+            <a:avLst/>
+          </a:prstGeom>
+          <a:solidFill>
+            <a:srgbClr val="BFBFBF"/>
+          </a:solidFill>
+          <a:ln>
+            <a:solidFill>
+              <a:schemeClr val="bg1">
+                <a:lumMod val="50000"/>
+              </a:schemeClr>
+            </a:solidFill>
+          </a:ln>
+        </p:spPr>
+        <p:style>
+          <a:lnRef idx="2">
+            <a:schemeClr val="accent1">
+              <a:shade val="50000"/>
+            </a:schemeClr>
+          </a:lnRef>
+          <a:fillRef idx="1">
+            <a:schemeClr val="accent1"/>
+          </a:fillRef>
+          <a:effectRef idx="0">
+            <a:schemeClr val="accent1"/>
+          </a:effectRef>
+          <a:fontRef idx="minor">
+            <a:schemeClr val="lt1"/>
+          </a:fontRef>
+        </p:style>
+        <p:txBody>
+          <a:bodyPr rtlCol="0" anchor="ctr"/>
+          <a:lstStyle/>
+          <a:p>
+            <a:pPr algn="ctr"/>
+            <a:endParaRPr lang="en-US"/>
+          </a:p>
+        </p:txBody>
+      </p:sp>
+      <p:sp>
+        <p:nvSpPr>
+          <p:cNvPr id="63" name="Rectangle 62"/>
+          <p:cNvSpPr/>
+          <p:nvPr/>
+        </p:nvSpPr>
+        <p:spPr>
+          <a:xfrm>
+            <a:off x="5665458" y="3181820"/>
+            <a:ext cx="138071" cy="146884"/>
+          </a:xfrm>
+          <a:prstGeom prst="rect">
+            <a:avLst/>
+          </a:prstGeom>
+        </p:spPr>
+        <p:style>
+          <a:lnRef idx="2">
+            <a:schemeClr val="accent3">
+              <a:shade val="50000"/>
+            </a:schemeClr>
+          </a:lnRef>
+          <a:fillRef idx="1">
+            <a:schemeClr val="accent3"/>
+          </a:fillRef>
+          <a:effectRef idx="0">
+            <a:schemeClr val="accent3"/>
+          </a:effectRef>
+          <a:fontRef idx="minor">
+            <a:schemeClr val="lt1"/>
+          </a:fontRef>
+        </p:style>
+        <p:txBody>
+          <a:bodyPr rtlCol="0" anchor="ctr"/>
+          <a:lstStyle/>
+          <a:p>
+            <a:pPr algn="ctr"/>
+            <a:endParaRPr lang="en-US"/>
+          </a:p>
+        </p:txBody>
+      </p:sp>
+      <p:sp>
+        <p:nvSpPr>
+          <p:cNvPr id="64" name="TextBox 63"/>
+          <p:cNvSpPr txBox="1"/>
+          <p:nvPr/>
+        </p:nvSpPr>
+        <p:spPr>
+          <a:xfrm>
+            <a:off x="5757702" y="3122375"/>
+            <a:ext cx="1378430" cy="246221"/>
+          </a:xfrm>
+          <a:prstGeom prst="rect">
+            <a:avLst/>
+          </a:prstGeom>
+          <a:noFill/>
+        </p:spPr>
+        <p:txBody>
+          <a:bodyPr wrap="square" rtlCol="0">
+            <a:spAutoFit/>
+          </a:bodyPr>
+          <a:lstStyle/>
+          <a:p>
+            <a:pPr algn="ctr"/>
+            <a:r>
+              <a:rPr lang="en-US" sz="1000" dirty="0" smtClean="0">
+                <a:latin typeface="Utopia Std"/>
+                <a:cs typeface="Utopia Std"/>
+              </a:rPr>
+              <a:t>Completed element</a:t>
+            </a:r>
+            <a:endParaRPr lang="en-US" sz="1000" dirty="0">
+              <a:latin typeface="Utopia Std"/>
+              <a:cs typeface="Utopia Std"/>
+            </a:endParaRPr>
+          </a:p>
+        </p:txBody>
+      </p:sp>
+      <p:sp>
+        <p:nvSpPr>
+          <p:cNvPr id="65" name="TextBox 64"/>
+          <p:cNvSpPr txBox="1"/>
+          <p:nvPr/>
+        </p:nvSpPr>
+        <p:spPr>
+          <a:xfrm>
+            <a:off x="5790645" y="3343955"/>
+            <a:ext cx="1603665" cy="246221"/>
+          </a:xfrm>
+          <a:prstGeom prst="rect">
+            <a:avLst/>
+          </a:prstGeom>
+          <a:noFill/>
+        </p:spPr>
+        <p:txBody>
+          <a:bodyPr wrap="square" rtlCol="0">
+            <a:spAutoFit/>
+          </a:bodyPr>
+          <a:lstStyle/>
+          <a:p>
+            <a:pPr algn="ctr"/>
+            <a:r>
+              <a:rPr lang="en-US" sz="1000" dirty="0" smtClean="0">
+                <a:latin typeface="Utopia Std"/>
+                <a:cs typeface="Utopia Std"/>
+              </a:rPr>
+              <a:t>Element being processed</a:t>
+            </a:r>
+            <a:endParaRPr lang="en-US" sz="1000" dirty="0">
+              <a:latin typeface="Utopia Std"/>
+              <a:cs typeface="Utopia Std"/>
+            </a:endParaRPr>
+          </a:p>
+        </p:txBody>
+      </p:sp>
+      <p:sp>
+        <p:nvSpPr>
+          <p:cNvPr id="66" name="TextBox 65"/>
+          <p:cNvSpPr txBox="1"/>
+          <p:nvPr/>
+        </p:nvSpPr>
+        <p:spPr>
+          <a:xfrm>
+            <a:off x="5817666" y="3581744"/>
+            <a:ext cx="1379817" cy="246221"/>
+          </a:xfrm>
+          <a:prstGeom prst="rect">
+            <a:avLst/>
+          </a:prstGeom>
+          <a:noFill/>
+        </p:spPr>
+        <p:txBody>
+          <a:bodyPr wrap="square" rtlCol="0">
+            <a:spAutoFit/>
+          </a:bodyPr>
+          <a:lstStyle/>
+          <a:p>
+            <a:pPr algn="ctr"/>
+            <a:r>
+              <a:rPr lang="en-US" sz="1000" dirty="0" smtClean="0">
+                <a:latin typeface="Utopia Std"/>
+                <a:cs typeface="Utopia Std"/>
+              </a:rPr>
+              <a:t>Unprocessed element</a:t>
+            </a:r>
+            <a:endParaRPr lang="en-US" sz="1000" dirty="0">
+              <a:latin typeface="Utopia Std"/>
+              <a:cs typeface="Utopia Std"/>
+            </a:endParaRPr>
+          </a:p>
+        </p:txBody>
+      </p:sp>
+    </p:spTree>
+    <p:extLst>
+      <p:ext uri="{BB962C8B-B14F-4D97-AF65-F5344CB8AC3E}">
+        <p14:creationId xmlns:p14="http://schemas.microsoft.com/office/powerpoint/2010/main" val="60749010"/>
+      </p:ext>
+    </p:extLst>
+  </p:cSld>
+  <p:clrMapOvr>
+    <a:masterClrMapping/>
+  </p:clrMapOvr>
+</p:sld>
+</file>
+
+<file path=ppt/slides/slide5.xml><?xml version="1.0" encoding="utf-8"?>
+<p:sld xmlns:a="http://schemas.openxmlformats.org/drawingml/2006/main" xmlns:r="http://schemas.openxmlformats.org/officeDocument/2006/relationships" xmlns:p="http://schemas.openxmlformats.org/presentationml/2006/main">
+  <p:cSld>
+    <p:spTree>
+      <p:nvGrpSpPr>
+        <p:cNvPr id="1" name=""/>
+        <p:cNvGrpSpPr/>
+        <p:nvPr/>
+      </p:nvGrpSpPr>
+      <p:grpSpPr>
+        <a:xfrm>
+          <a:off x="0" y="0"/>
+          <a:ext cx="0" cy="0"/>
+          <a:chOff x="0" y="0"/>
+          <a:chExt cx="0" cy="0"/>
+        </a:xfrm>
+      </p:grpSpPr>
+      <p:sp>
+        <p:nvSpPr>
+          <p:cNvPr id="4" name="Rectangle 3"/>
+          <p:cNvSpPr/>
+          <p:nvPr/>
+        </p:nvSpPr>
+        <p:spPr>
+          <a:xfrm>
+            <a:off x="5379015" y="1322673"/>
+            <a:ext cx="217055" cy="230909"/>
+          </a:xfrm>
+          <a:prstGeom prst="rect">
+            <a:avLst/>
+          </a:prstGeom>
+          <a:solidFill>
+            <a:schemeClr val="accent3"/>
+          </a:solidFill>
+          <a:ln>
+            <a:solidFill>
+              <a:schemeClr val="accent3">
+                <a:lumMod val="75000"/>
+              </a:schemeClr>
+            </a:solidFill>
+          </a:ln>
+        </p:spPr>
+        <p:style>
+          <a:lnRef idx="2">
+            <a:schemeClr val="accent1">
+              <a:shade val="50000"/>
+            </a:schemeClr>
+          </a:lnRef>
+          <a:fillRef idx="1">
+            <a:schemeClr val="accent1"/>
+          </a:fillRef>
+          <a:effectRef idx="0">
+            <a:schemeClr val="accent1"/>
+          </a:effectRef>
+          <a:fontRef idx="minor">
+            <a:schemeClr val="lt1"/>
+          </a:fontRef>
+        </p:style>
+        <p:txBody>
+          <a:bodyPr rtlCol="0" anchor="ctr"/>
+          <a:lstStyle/>
+          <a:p>
+            <a:pPr algn="ctr"/>
+            <a:endParaRPr lang="en-US"/>
+          </a:p>
+        </p:txBody>
+      </p:sp>
+      <p:sp>
+        <p:nvSpPr>
+          <p:cNvPr id="5" name="Rectangle 4"/>
+          <p:cNvSpPr/>
+          <p:nvPr/>
+        </p:nvSpPr>
+        <p:spPr>
+          <a:xfrm>
+            <a:off x="6023243" y="1322673"/>
+            <a:ext cx="217055" cy="230909"/>
+          </a:xfrm>
+          <a:prstGeom prst="rect">
+            <a:avLst/>
+          </a:prstGeom>
+          <a:solidFill>
+            <a:schemeClr val="accent3"/>
+          </a:solidFill>
+          <a:ln>
+            <a:solidFill>
+              <a:schemeClr val="accent3">
+                <a:lumMod val="75000"/>
+              </a:schemeClr>
+            </a:solidFill>
+          </a:ln>
+        </p:spPr>
+        <p:style>
+          <a:lnRef idx="2">
+            <a:schemeClr val="accent1">
+              <a:shade val="50000"/>
+            </a:schemeClr>
+          </a:lnRef>
+          <a:fillRef idx="1">
+            <a:schemeClr val="accent1"/>
+          </a:fillRef>
+          <a:effectRef idx="0">
+            <a:schemeClr val="accent1"/>
+          </a:effectRef>
+          <a:fontRef idx="minor">
+            <a:schemeClr val="lt1"/>
+          </a:fontRef>
+        </p:style>
+        <p:txBody>
+          <a:bodyPr rtlCol="0" anchor="ctr"/>
+          <a:lstStyle/>
+          <a:p>
+            <a:pPr algn="ctr"/>
+            <a:endParaRPr lang="en-US"/>
+          </a:p>
+        </p:txBody>
+      </p:sp>
+      <p:sp>
+        <p:nvSpPr>
+          <p:cNvPr id="6" name="Rectangle 5"/>
+          <p:cNvSpPr/>
+          <p:nvPr/>
+        </p:nvSpPr>
+        <p:spPr>
+          <a:xfrm>
+            <a:off x="6457353" y="1322673"/>
+            <a:ext cx="217055" cy="230909"/>
+          </a:xfrm>
+          <a:prstGeom prst="rect">
+            <a:avLst/>
+          </a:prstGeom>
+          <a:solidFill>
+            <a:schemeClr val="accent3"/>
+          </a:solidFill>
+          <a:ln>
+            <a:solidFill>
+              <a:schemeClr val="accent3">
+                <a:lumMod val="75000"/>
+              </a:schemeClr>
+            </a:solidFill>
+          </a:ln>
+        </p:spPr>
+        <p:style>
+          <a:lnRef idx="2">
+            <a:schemeClr val="accent1">
+              <a:shade val="50000"/>
+            </a:schemeClr>
+          </a:lnRef>
+          <a:fillRef idx="1">
+            <a:schemeClr val="accent1"/>
+          </a:fillRef>
+          <a:effectRef idx="0">
+            <a:schemeClr val="accent1"/>
+          </a:effectRef>
+          <a:fontRef idx="minor">
+            <a:schemeClr val="lt1"/>
+          </a:fontRef>
+        </p:style>
+        <p:txBody>
+          <a:bodyPr rtlCol="0" anchor="ctr"/>
+          <a:lstStyle/>
+          <a:p>
+            <a:pPr algn="ctr"/>
+            <a:endParaRPr lang="en-US"/>
+          </a:p>
+        </p:txBody>
+      </p:sp>
+      <p:sp>
+        <p:nvSpPr>
+          <p:cNvPr id="9" name="Rectangle 8"/>
+          <p:cNvSpPr/>
+          <p:nvPr/>
+        </p:nvSpPr>
+        <p:spPr>
+          <a:xfrm>
+            <a:off x="4944907" y="2006148"/>
+            <a:ext cx="217055" cy="230909"/>
+          </a:xfrm>
+          <a:prstGeom prst="rect">
+            <a:avLst/>
+          </a:prstGeom>
+          <a:solidFill>
+            <a:schemeClr val="accent1">
+              <a:lumMod val="40000"/>
+              <a:lumOff val="60000"/>
+            </a:schemeClr>
+          </a:solidFill>
+          <a:ln>
+            <a:solidFill>
+              <a:schemeClr val="accent1">
+                <a:lumMod val="75000"/>
+              </a:schemeClr>
+            </a:solidFill>
+          </a:ln>
+        </p:spPr>
+        <p:style>
+          <a:lnRef idx="2">
+            <a:schemeClr val="accent1">
+              <a:shade val="50000"/>
+            </a:schemeClr>
+          </a:lnRef>
+          <a:fillRef idx="1">
+            <a:schemeClr val="accent1"/>
+          </a:fillRef>
+          <a:effectRef idx="0">
+            <a:schemeClr val="accent1"/>
+          </a:effectRef>
+          <a:fontRef idx="minor">
+            <a:schemeClr val="lt1"/>
+          </a:fontRef>
+        </p:style>
+        <p:txBody>
+          <a:bodyPr rtlCol="0" anchor="ctr"/>
+          <a:lstStyle/>
+          <a:p>
+            <a:pPr algn="ctr"/>
+            <a:endParaRPr lang="en-US"/>
+          </a:p>
+        </p:txBody>
+      </p:sp>
+      <p:sp>
+        <p:nvSpPr>
+          <p:cNvPr id="10" name="Rectangle 9"/>
+          <p:cNvSpPr/>
+          <p:nvPr/>
+        </p:nvSpPr>
+        <p:spPr>
+          <a:xfrm>
+            <a:off x="5379017" y="2006148"/>
+            <a:ext cx="217055" cy="230909"/>
+          </a:xfrm>
+          <a:prstGeom prst="rect">
+            <a:avLst/>
+          </a:prstGeom>
+          <a:solidFill>
+            <a:schemeClr val="accent1">
+              <a:lumMod val="40000"/>
+              <a:lumOff val="60000"/>
+            </a:schemeClr>
+          </a:solidFill>
+          <a:ln>
+            <a:solidFill>
+              <a:schemeClr val="accent1">
+                <a:lumMod val="75000"/>
+              </a:schemeClr>
+            </a:solidFill>
+          </a:ln>
+        </p:spPr>
+        <p:style>
+          <a:lnRef idx="2">
+            <a:schemeClr val="accent1">
+              <a:shade val="50000"/>
+            </a:schemeClr>
+          </a:lnRef>
+          <a:fillRef idx="1">
+            <a:schemeClr val="accent1"/>
+          </a:fillRef>
+          <a:effectRef idx="0">
+            <a:schemeClr val="accent1"/>
+          </a:effectRef>
+          <a:fontRef idx="minor">
+            <a:schemeClr val="lt1"/>
+          </a:fontRef>
+        </p:style>
+        <p:txBody>
+          <a:bodyPr rtlCol="0" anchor="ctr"/>
+          <a:lstStyle/>
+          <a:p>
+            <a:pPr algn="ctr"/>
+            <a:endParaRPr lang="en-US"/>
+          </a:p>
+        </p:txBody>
+      </p:sp>
+      <p:sp>
+        <p:nvSpPr>
+          <p:cNvPr id="11" name="Rectangle 10"/>
+          <p:cNvSpPr/>
+          <p:nvPr/>
+        </p:nvSpPr>
+        <p:spPr>
+          <a:xfrm>
+            <a:off x="5593760" y="2006148"/>
+            <a:ext cx="217055" cy="230909"/>
+          </a:xfrm>
+          <a:prstGeom prst="rect">
+            <a:avLst/>
+          </a:prstGeom>
+          <a:solidFill>
+            <a:schemeClr val="accent1">
+              <a:lumMod val="40000"/>
+              <a:lumOff val="60000"/>
+            </a:schemeClr>
+          </a:solidFill>
+          <a:ln>
+            <a:solidFill>
+              <a:schemeClr val="accent1">
+                <a:lumMod val="75000"/>
+              </a:schemeClr>
+            </a:solidFill>
+          </a:ln>
+        </p:spPr>
+        <p:style>
+          <a:lnRef idx="2">
+            <a:schemeClr val="accent1">
+              <a:shade val="50000"/>
+            </a:schemeClr>
+          </a:lnRef>
+          <a:fillRef idx="1">
+            <a:schemeClr val="accent1"/>
+          </a:fillRef>
+          <a:effectRef idx="0">
+            <a:schemeClr val="accent1"/>
+          </a:effectRef>
+          <a:fontRef idx="minor">
+            <a:schemeClr val="lt1"/>
+          </a:fontRef>
+        </p:style>
+        <p:txBody>
+          <a:bodyPr rtlCol="0" anchor="ctr"/>
+          <a:lstStyle/>
+          <a:p>
+            <a:pPr algn="ctr"/>
+            <a:endParaRPr lang="en-US"/>
+          </a:p>
+        </p:txBody>
+      </p:sp>
+      <p:sp>
+        <p:nvSpPr>
+          <p:cNvPr id="12" name="Rectangle 11"/>
+          <p:cNvSpPr/>
+          <p:nvPr/>
+        </p:nvSpPr>
+        <p:spPr>
+          <a:xfrm>
+            <a:off x="6023245" y="2006148"/>
+            <a:ext cx="217055" cy="230909"/>
+          </a:xfrm>
+          <a:prstGeom prst="rect">
+            <a:avLst/>
+          </a:prstGeom>
+          <a:solidFill>
+            <a:schemeClr val="accent1">
+              <a:lumMod val="40000"/>
+              <a:lumOff val="60000"/>
+            </a:schemeClr>
+          </a:solidFill>
+          <a:ln>
+            <a:solidFill>
+              <a:schemeClr val="accent1">
+                <a:lumMod val="75000"/>
+              </a:schemeClr>
+            </a:solidFill>
+          </a:ln>
+        </p:spPr>
+        <p:style>
+          <a:lnRef idx="2">
+            <a:schemeClr val="accent1">
+              <a:shade val="50000"/>
+            </a:schemeClr>
+          </a:lnRef>
+          <a:fillRef idx="1">
+            <a:schemeClr val="accent1"/>
+          </a:fillRef>
+          <a:effectRef idx="0">
+            <a:schemeClr val="accent1"/>
+          </a:effectRef>
+          <a:fontRef idx="minor">
+            <a:schemeClr val="lt1"/>
+          </a:fontRef>
+        </p:style>
+        <p:txBody>
+          <a:bodyPr rtlCol="0" anchor="ctr"/>
+          <a:lstStyle/>
+          <a:p>
+            <a:pPr algn="ctr"/>
+            <a:endParaRPr lang="en-US"/>
+          </a:p>
+        </p:txBody>
+      </p:sp>
+      <p:sp>
+        <p:nvSpPr>
+          <p:cNvPr id="13" name="Rectangle 12"/>
+          <p:cNvSpPr/>
+          <p:nvPr/>
+        </p:nvSpPr>
+        <p:spPr>
+          <a:xfrm>
+            <a:off x="6457355" y="2006148"/>
+            <a:ext cx="217055" cy="230909"/>
+          </a:xfrm>
+          <a:prstGeom prst="rect">
+            <a:avLst/>
+          </a:prstGeom>
+          <a:solidFill>
+            <a:schemeClr val="accent1">
+              <a:lumMod val="40000"/>
+              <a:lumOff val="60000"/>
+            </a:schemeClr>
+          </a:solidFill>
+          <a:ln>
+            <a:solidFill>
+              <a:schemeClr val="accent1">
+                <a:lumMod val="75000"/>
+              </a:schemeClr>
+            </a:solidFill>
+          </a:ln>
+        </p:spPr>
+        <p:style>
+          <a:lnRef idx="2">
+            <a:schemeClr val="accent1">
+              <a:shade val="50000"/>
+            </a:schemeClr>
+          </a:lnRef>
+          <a:fillRef idx="1">
+            <a:schemeClr val="accent1"/>
+          </a:fillRef>
+          <a:effectRef idx="0">
+            <a:schemeClr val="accent1"/>
+          </a:effectRef>
+          <a:fontRef idx="minor">
+            <a:schemeClr val="lt1"/>
+          </a:fontRef>
+        </p:style>
+        <p:txBody>
+          <a:bodyPr rtlCol="0" anchor="ctr"/>
+          <a:lstStyle/>
+          <a:p>
+            <a:pPr algn="ctr"/>
+            <a:endParaRPr lang="en-US"/>
+          </a:p>
+        </p:txBody>
+      </p:sp>
+      <p:sp>
+        <p:nvSpPr>
+          <p:cNvPr id="15" name="Rectangle 14"/>
+          <p:cNvSpPr/>
+          <p:nvPr/>
+        </p:nvSpPr>
+        <p:spPr>
+          <a:xfrm>
+            <a:off x="4944905" y="2712707"/>
+            <a:ext cx="217055" cy="230909"/>
+          </a:xfrm>
+          <a:prstGeom prst="rect">
+            <a:avLst/>
+          </a:prstGeom>
+          <a:solidFill>
+            <a:schemeClr val="bg1">
+              <a:lumMod val="75000"/>
+            </a:schemeClr>
+          </a:solidFill>
+          <a:ln>
+            <a:solidFill>
+              <a:schemeClr val="bg1">
+                <a:lumMod val="50000"/>
+              </a:schemeClr>
+            </a:solidFill>
+          </a:ln>
+        </p:spPr>
+        <p:style>
+          <a:lnRef idx="2">
+            <a:schemeClr val="accent1">
+              <a:shade val="50000"/>
+            </a:schemeClr>
+          </a:lnRef>
+          <a:fillRef idx="1">
+            <a:schemeClr val="accent1"/>
+          </a:fillRef>
+          <a:effectRef idx="0">
+            <a:schemeClr val="accent1"/>
+          </a:effectRef>
+          <a:fontRef idx="minor">
+            <a:schemeClr val="lt1"/>
+          </a:fontRef>
+        </p:style>
+        <p:txBody>
+          <a:bodyPr rtlCol="0" anchor="ctr"/>
+          <a:lstStyle/>
+          <a:p>
+            <a:pPr algn="ctr"/>
+            <a:endParaRPr lang="en-US"/>
+          </a:p>
+        </p:txBody>
+      </p:sp>
+      <p:sp>
+        <p:nvSpPr>
+          <p:cNvPr id="16" name="Rectangle 15"/>
+          <p:cNvSpPr/>
+          <p:nvPr/>
+        </p:nvSpPr>
+        <p:spPr>
+          <a:xfrm>
+            <a:off x="5379015" y="2712707"/>
+            <a:ext cx="217055" cy="230909"/>
+          </a:xfrm>
+          <a:prstGeom prst="rect">
+            <a:avLst/>
+          </a:prstGeom>
+          <a:solidFill>
+            <a:schemeClr val="bg1">
+              <a:lumMod val="75000"/>
+            </a:schemeClr>
+          </a:solidFill>
+          <a:ln>
+            <a:solidFill>
+              <a:schemeClr val="bg1">
+                <a:lumMod val="50000"/>
+              </a:schemeClr>
+            </a:solidFill>
+          </a:ln>
+        </p:spPr>
+        <p:style>
+          <a:lnRef idx="2">
+            <a:schemeClr val="accent1">
+              <a:shade val="50000"/>
+            </a:schemeClr>
+          </a:lnRef>
+          <a:fillRef idx="1">
+            <a:schemeClr val="accent1"/>
+          </a:fillRef>
+          <a:effectRef idx="0">
+            <a:schemeClr val="accent1"/>
+          </a:effectRef>
+          <a:fontRef idx="minor">
+            <a:schemeClr val="lt1"/>
+          </a:fontRef>
+        </p:style>
+        <p:txBody>
+          <a:bodyPr rtlCol="0" anchor="ctr"/>
+          <a:lstStyle/>
+          <a:p>
+            <a:pPr algn="ctr"/>
+            <a:endParaRPr lang="en-US"/>
+          </a:p>
+        </p:txBody>
+      </p:sp>
+      <p:sp>
+        <p:nvSpPr>
+          <p:cNvPr id="17" name="Rectangle 16"/>
+          <p:cNvSpPr/>
+          <p:nvPr/>
+        </p:nvSpPr>
+        <p:spPr>
+          <a:xfrm>
+            <a:off x="5593758" y="2712707"/>
+            <a:ext cx="217055" cy="230909"/>
+          </a:xfrm>
+          <a:prstGeom prst="rect">
+            <a:avLst/>
+          </a:prstGeom>
+          <a:solidFill>
+            <a:schemeClr val="bg1">
+              <a:lumMod val="75000"/>
+            </a:schemeClr>
+          </a:solidFill>
+          <a:ln>
+            <a:solidFill>
+              <a:schemeClr val="bg1">
+                <a:lumMod val="50000"/>
+              </a:schemeClr>
+            </a:solidFill>
+          </a:ln>
+        </p:spPr>
+        <p:style>
+          <a:lnRef idx="2">
+            <a:schemeClr val="accent1">
+              <a:shade val="50000"/>
+            </a:schemeClr>
+          </a:lnRef>
+          <a:fillRef idx="1">
+            <a:schemeClr val="accent1"/>
+          </a:fillRef>
+          <a:effectRef idx="0">
+            <a:schemeClr val="accent1"/>
+          </a:effectRef>
+          <a:fontRef idx="minor">
+            <a:schemeClr val="lt1"/>
+          </a:fontRef>
+        </p:style>
+        <p:txBody>
+          <a:bodyPr rtlCol="0" anchor="ctr"/>
+          <a:lstStyle/>
+          <a:p>
+            <a:pPr algn="ctr"/>
+            <a:endParaRPr lang="en-US"/>
+          </a:p>
+        </p:txBody>
+      </p:sp>
+      <p:sp>
+        <p:nvSpPr>
+          <p:cNvPr id="18" name="Rectangle 17"/>
+          <p:cNvSpPr/>
+          <p:nvPr/>
+        </p:nvSpPr>
+        <p:spPr>
+          <a:xfrm>
+            <a:off x="6023243" y="2712707"/>
+            <a:ext cx="217055" cy="230909"/>
+          </a:xfrm>
+          <a:prstGeom prst="rect">
+            <a:avLst/>
+          </a:prstGeom>
+          <a:solidFill>
+            <a:schemeClr val="bg1">
+              <a:lumMod val="75000"/>
+            </a:schemeClr>
+          </a:solidFill>
+          <a:ln>
+            <a:solidFill>
+              <a:schemeClr val="bg1">
+                <a:lumMod val="50000"/>
+              </a:schemeClr>
+            </a:solidFill>
+          </a:ln>
+        </p:spPr>
+        <p:style>
+          <a:lnRef idx="2">
+            <a:schemeClr val="accent1">
+              <a:shade val="50000"/>
+            </a:schemeClr>
+          </a:lnRef>
+          <a:fillRef idx="1">
+            <a:schemeClr val="accent1"/>
+          </a:fillRef>
+          <a:effectRef idx="0">
+            <a:schemeClr val="accent1"/>
+          </a:effectRef>
+          <a:fontRef idx="minor">
+            <a:schemeClr val="lt1"/>
+          </a:fontRef>
+        </p:style>
+        <p:txBody>
+          <a:bodyPr rtlCol="0" anchor="ctr"/>
+          <a:lstStyle/>
+          <a:p>
+            <a:pPr algn="ctr"/>
+            <a:endParaRPr lang="en-US"/>
+          </a:p>
+        </p:txBody>
+      </p:sp>
+      <p:sp>
+        <p:nvSpPr>
+          <p:cNvPr id="19" name="Rectangle 18"/>
+          <p:cNvSpPr/>
+          <p:nvPr/>
+        </p:nvSpPr>
+        <p:spPr>
+          <a:xfrm>
+            <a:off x="6240298" y="2712707"/>
+            <a:ext cx="217055" cy="230909"/>
+          </a:xfrm>
+          <a:prstGeom prst="rect">
+            <a:avLst/>
+          </a:prstGeom>
+          <a:solidFill>
+            <a:schemeClr val="bg1">
+              <a:lumMod val="75000"/>
+            </a:schemeClr>
+          </a:solidFill>
+          <a:ln>
+            <a:solidFill>
+              <a:schemeClr val="bg1">
+                <a:lumMod val="50000"/>
+              </a:schemeClr>
+            </a:solidFill>
+          </a:ln>
+        </p:spPr>
+        <p:style>
+          <a:lnRef idx="2">
+            <a:schemeClr val="accent1">
+              <a:shade val="50000"/>
+            </a:schemeClr>
+          </a:lnRef>
+          <a:fillRef idx="1">
+            <a:schemeClr val="accent1"/>
+          </a:fillRef>
+          <a:effectRef idx="0">
+            <a:schemeClr val="accent1"/>
+          </a:effectRef>
+          <a:fontRef idx="minor">
+            <a:schemeClr val="lt1"/>
+          </a:fontRef>
+        </p:style>
+        <p:txBody>
+          <a:bodyPr rtlCol="0" anchor="ctr"/>
+          <a:lstStyle/>
+          <a:p>
+            <a:pPr algn="ctr"/>
+            <a:endParaRPr lang="en-US"/>
+          </a:p>
+        </p:txBody>
+      </p:sp>
+      <p:sp>
+        <p:nvSpPr>
+          <p:cNvPr id="20" name="Rectangle 19"/>
+          <p:cNvSpPr/>
+          <p:nvPr/>
+        </p:nvSpPr>
+        <p:spPr>
+          <a:xfrm>
+            <a:off x="6457353" y="2712707"/>
+            <a:ext cx="217055" cy="230909"/>
+          </a:xfrm>
+          <a:prstGeom prst="rect">
+            <a:avLst/>
+          </a:prstGeom>
+          <a:solidFill>
+            <a:schemeClr val="bg1">
+              <a:lumMod val="75000"/>
+            </a:schemeClr>
+          </a:solidFill>
+          <a:ln>
+            <a:solidFill>
+              <a:schemeClr val="bg1">
+                <a:lumMod val="50000"/>
+              </a:schemeClr>
+            </a:solidFill>
+          </a:ln>
+        </p:spPr>
+        <p:style>
+          <a:lnRef idx="2">
+            <a:schemeClr val="accent1">
+              <a:shade val="50000"/>
+            </a:schemeClr>
+          </a:lnRef>
+          <a:fillRef idx="1">
+            <a:schemeClr val="accent1"/>
+          </a:fillRef>
+          <a:effectRef idx="0">
+            <a:schemeClr val="accent1"/>
+          </a:effectRef>
+          <a:fontRef idx="minor">
+            <a:schemeClr val="lt1"/>
+          </a:fontRef>
+        </p:style>
+        <p:txBody>
+          <a:bodyPr rtlCol="0" anchor="ctr"/>
+          <a:lstStyle/>
+          <a:p>
+            <a:pPr algn="ctr"/>
+            <a:endParaRPr lang="en-US"/>
+          </a:p>
+        </p:txBody>
+      </p:sp>
+      <p:sp>
+        <p:nvSpPr>
+          <p:cNvPr id="21" name="Rectangle 20"/>
+          <p:cNvSpPr/>
+          <p:nvPr/>
+        </p:nvSpPr>
+        <p:spPr>
+          <a:xfrm>
+            <a:off x="6674408" y="2712707"/>
+            <a:ext cx="217055" cy="230909"/>
+          </a:xfrm>
+          <a:prstGeom prst="rect">
+            <a:avLst/>
+          </a:prstGeom>
+          <a:solidFill>
+            <a:schemeClr val="bg1">
+              <a:lumMod val="75000"/>
+            </a:schemeClr>
+          </a:solidFill>
+          <a:ln>
+            <a:solidFill>
+              <a:schemeClr val="bg1">
+                <a:lumMod val="50000"/>
+              </a:schemeClr>
+            </a:solidFill>
+          </a:ln>
+        </p:spPr>
+        <p:style>
+          <a:lnRef idx="2">
+            <a:schemeClr val="accent1">
+              <a:shade val="50000"/>
+            </a:schemeClr>
+          </a:lnRef>
+          <a:fillRef idx="1">
+            <a:schemeClr val="accent1"/>
+          </a:fillRef>
+          <a:effectRef idx="0">
+            <a:schemeClr val="accent1"/>
+          </a:effectRef>
+          <a:fontRef idx="minor">
+            <a:schemeClr val="lt1"/>
+          </a:fontRef>
+        </p:style>
+        <p:txBody>
+          <a:bodyPr rtlCol="0" anchor="ctr"/>
+          <a:lstStyle/>
+          <a:p>
+            <a:pPr algn="ctr"/>
+            <a:endParaRPr lang="en-US"/>
+          </a:p>
+        </p:txBody>
+      </p:sp>
+      <p:sp>
+        <p:nvSpPr>
+          <p:cNvPr id="22" name="Rectangle 21"/>
+          <p:cNvSpPr/>
+          <p:nvPr/>
+        </p:nvSpPr>
+        <p:spPr>
+          <a:xfrm>
+            <a:off x="4944905" y="1322673"/>
+            <a:ext cx="217055" cy="230909"/>
+          </a:xfrm>
+          <a:prstGeom prst="rect">
+            <a:avLst/>
+          </a:prstGeom>
+          <a:solidFill>
+            <a:schemeClr val="accent3"/>
+          </a:solidFill>
+          <a:ln>
+            <a:solidFill>
+              <a:schemeClr val="accent3">
+                <a:lumMod val="75000"/>
+              </a:schemeClr>
+            </a:solidFill>
+          </a:ln>
+        </p:spPr>
+        <p:style>
+          <a:lnRef idx="2">
+            <a:schemeClr val="accent3">
+              <a:shade val="50000"/>
+            </a:schemeClr>
+          </a:lnRef>
+          <a:fillRef idx="1">
+            <a:schemeClr val="accent3"/>
+          </a:fillRef>
+          <a:effectRef idx="0">
+            <a:schemeClr val="accent3"/>
+          </a:effectRef>
+          <a:fontRef idx="minor">
+            <a:schemeClr val="lt1"/>
+          </a:fontRef>
+        </p:style>
+        <p:txBody>
+          <a:bodyPr rtlCol="0" anchor="ctr"/>
+          <a:lstStyle/>
+          <a:p>
+            <a:pPr algn="ctr"/>
+            <a:endParaRPr lang="en-US"/>
+          </a:p>
+        </p:txBody>
+      </p:sp>
+      <p:sp>
+        <p:nvSpPr>
+          <p:cNvPr id="23" name="Rectangle 22"/>
+          <p:cNvSpPr/>
+          <p:nvPr/>
+        </p:nvSpPr>
+        <p:spPr>
+          <a:xfrm>
+            <a:off x="5593758" y="1322673"/>
+            <a:ext cx="217055" cy="230909"/>
+          </a:xfrm>
+          <a:prstGeom prst="rect">
+            <a:avLst/>
+          </a:prstGeom>
+          <a:solidFill>
+            <a:schemeClr val="accent3"/>
+          </a:solidFill>
+          <a:ln>
+            <a:solidFill>
+              <a:schemeClr val="accent3">
+                <a:lumMod val="75000"/>
+              </a:schemeClr>
+            </a:solidFill>
+          </a:ln>
+        </p:spPr>
+        <p:style>
+          <a:lnRef idx="2">
+            <a:schemeClr val="accent3">
+              <a:shade val="50000"/>
+            </a:schemeClr>
+          </a:lnRef>
+          <a:fillRef idx="1">
+            <a:schemeClr val="accent3"/>
+          </a:fillRef>
+          <a:effectRef idx="0">
+            <a:schemeClr val="accent3"/>
+          </a:effectRef>
+          <a:fontRef idx="minor">
+            <a:schemeClr val="lt1"/>
+          </a:fontRef>
+        </p:style>
+        <p:txBody>
+          <a:bodyPr rtlCol="0" anchor="ctr"/>
+          <a:lstStyle/>
+          <a:p>
+            <a:pPr algn="ctr"/>
+            <a:endParaRPr lang="en-US"/>
+          </a:p>
+        </p:txBody>
+      </p:sp>
+      <p:sp>
+        <p:nvSpPr>
+          <p:cNvPr id="24" name="Rectangle 23"/>
+          <p:cNvSpPr/>
+          <p:nvPr/>
+        </p:nvSpPr>
+        <p:spPr>
+          <a:xfrm>
+            <a:off x="5810811" y="1322673"/>
+            <a:ext cx="217055" cy="230909"/>
+          </a:xfrm>
+          <a:prstGeom prst="rect">
+            <a:avLst/>
+          </a:prstGeom>
+          <a:solidFill>
+            <a:schemeClr val="accent3"/>
+          </a:solidFill>
+          <a:ln>
+            <a:solidFill>
+              <a:schemeClr val="accent3">
+                <a:lumMod val="75000"/>
+              </a:schemeClr>
+            </a:solidFill>
+          </a:ln>
+        </p:spPr>
+        <p:style>
+          <a:lnRef idx="2">
+            <a:schemeClr val="accent3">
+              <a:shade val="50000"/>
+            </a:schemeClr>
+          </a:lnRef>
+          <a:fillRef idx="1">
+            <a:schemeClr val="accent3"/>
+          </a:fillRef>
+          <a:effectRef idx="0">
+            <a:schemeClr val="accent3"/>
+          </a:effectRef>
+          <a:fontRef idx="minor">
+            <a:schemeClr val="lt1"/>
+          </a:fontRef>
+        </p:style>
+        <p:txBody>
+          <a:bodyPr rtlCol="0" anchor="ctr"/>
+          <a:lstStyle/>
+          <a:p>
+            <a:pPr algn="ctr"/>
+            <a:endParaRPr lang="en-US"/>
+          </a:p>
+        </p:txBody>
+      </p:sp>
+      <p:sp>
+        <p:nvSpPr>
+          <p:cNvPr id="25" name="Rectangle 24"/>
+          <p:cNvSpPr/>
+          <p:nvPr/>
+        </p:nvSpPr>
+        <p:spPr>
+          <a:xfrm>
+            <a:off x="5810813" y="2006148"/>
+            <a:ext cx="217055" cy="230909"/>
+          </a:xfrm>
+          <a:prstGeom prst="rect">
+            <a:avLst/>
+          </a:prstGeom>
+          <a:solidFill>
+            <a:schemeClr val="accent1">
+              <a:lumMod val="40000"/>
+              <a:lumOff val="60000"/>
+            </a:schemeClr>
+          </a:solidFill>
+          <a:ln>
+            <a:solidFill>
+              <a:schemeClr val="accent1">
+                <a:lumMod val="75000"/>
+              </a:schemeClr>
+            </a:solidFill>
+          </a:ln>
+        </p:spPr>
+        <p:style>
+          <a:lnRef idx="2">
+            <a:schemeClr val="accent3">
+              <a:shade val="50000"/>
+            </a:schemeClr>
+          </a:lnRef>
+          <a:fillRef idx="1">
+            <a:schemeClr val="accent3"/>
+          </a:fillRef>
+          <a:effectRef idx="0">
+            <a:schemeClr val="accent3"/>
+          </a:effectRef>
+          <a:fontRef idx="minor">
+            <a:schemeClr val="lt1"/>
+          </a:fontRef>
+        </p:style>
+        <p:txBody>
+          <a:bodyPr rtlCol="0" anchor="ctr"/>
+          <a:lstStyle/>
+          <a:p>
+            <a:pPr algn="ctr"/>
+            <a:endParaRPr lang="en-US"/>
+          </a:p>
+        </p:txBody>
+      </p:sp>
+      <p:sp>
+        <p:nvSpPr>
+          <p:cNvPr id="26" name="Rectangle 25"/>
+          <p:cNvSpPr/>
+          <p:nvPr/>
+        </p:nvSpPr>
+        <p:spPr>
+          <a:xfrm>
+            <a:off x="5810811" y="2712707"/>
+            <a:ext cx="217055" cy="230909"/>
+          </a:xfrm>
+          <a:prstGeom prst="rect">
+            <a:avLst/>
+          </a:prstGeom>
+          <a:solidFill>
+            <a:schemeClr val="bg1">
+              <a:lumMod val="75000"/>
+            </a:schemeClr>
+          </a:solidFill>
+          <a:ln>
+            <a:solidFill>
+              <a:schemeClr val="bg1">
+                <a:lumMod val="50000"/>
+              </a:schemeClr>
+            </a:solidFill>
+          </a:ln>
+        </p:spPr>
+        <p:style>
+          <a:lnRef idx="2">
+            <a:schemeClr val="accent3">
+              <a:shade val="50000"/>
+            </a:schemeClr>
+          </a:lnRef>
+          <a:fillRef idx="1">
+            <a:schemeClr val="accent3"/>
+          </a:fillRef>
+          <a:effectRef idx="0">
+            <a:schemeClr val="accent3"/>
+          </a:effectRef>
+          <a:fontRef idx="minor">
+            <a:schemeClr val="lt1"/>
+          </a:fontRef>
+        </p:style>
+        <p:txBody>
+          <a:bodyPr rtlCol="0" anchor="ctr"/>
+          <a:lstStyle/>
+          <a:p>
+            <a:pPr algn="ctr"/>
+            <a:endParaRPr lang="en-US"/>
+          </a:p>
+        </p:txBody>
+      </p:sp>
+      <p:sp>
+        <p:nvSpPr>
+          <p:cNvPr id="27" name="Rectangle 26"/>
+          <p:cNvSpPr/>
+          <p:nvPr/>
+        </p:nvSpPr>
+        <p:spPr>
+          <a:xfrm>
+            <a:off x="5161960" y="1322673"/>
+            <a:ext cx="217055" cy="230909"/>
+          </a:xfrm>
+          <a:prstGeom prst="rect">
+            <a:avLst/>
+          </a:prstGeom>
+          <a:solidFill>
+            <a:schemeClr val="accent3"/>
+          </a:solidFill>
+          <a:ln>
+            <a:solidFill>
+              <a:schemeClr val="accent3">
+                <a:lumMod val="75000"/>
+              </a:schemeClr>
+            </a:solidFill>
+          </a:ln>
+        </p:spPr>
+        <p:style>
+          <a:lnRef idx="2">
+            <a:schemeClr val="accent3">
+              <a:shade val="50000"/>
+            </a:schemeClr>
+          </a:lnRef>
+          <a:fillRef idx="1">
+            <a:schemeClr val="accent3"/>
+          </a:fillRef>
+          <a:effectRef idx="0">
+            <a:schemeClr val="accent3"/>
+          </a:effectRef>
+          <a:fontRef idx="minor">
+            <a:schemeClr val="lt1"/>
+          </a:fontRef>
+        </p:style>
+        <p:txBody>
+          <a:bodyPr rtlCol="0" anchor="ctr"/>
+          <a:lstStyle/>
+          <a:p>
+            <a:pPr algn="ctr"/>
+            <a:endParaRPr lang="en-US"/>
+          </a:p>
+        </p:txBody>
+      </p:sp>
+      <p:sp>
+        <p:nvSpPr>
+          <p:cNvPr id="28" name="Rectangle 27"/>
+          <p:cNvSpPr/>
+          <p:nvPr/>
+        </p:nvSpPr>
+        <p:spPr>
+          <a:xfrm>
+            <a:off x="6240298" y="1322673"/>
+            <a:ext cx="217055" cy="230909"/>
+          </a:xfrm>
+          <a:prstGeom prst="rect">
+            <a:avLst/>
+          </a:prstGeom>
+          <a:solidFill>
+            <a:schemeClr val="accent3"/>
+          </a:solidFill>
+          <a:ln>
+            <a:solidFill>
+              <a:schemeClr val="accent3">
+                <a:lumMod val="75000"/>
+              </a:schemeClr>
+            </a:solidFill>
+          </a:ln>
+        </p:spPr>
+        <p:style>
+          <a:lnRef idx="2">
+            <a:schemeClr val="accent3">
+              <a:shade val="50000"/>
+            </a:schemeClr>
+          </a:lnRef>
+          <a:fillRef idx="1">
+            <a:schemeClr val="accent3"/>
+          </a:fillRef>
+          <a:effectRef idx="0">
+            <a:schemeClr val="accent3"/>
+          </a:effectRef>
+          <a:fontRef idx="minor">
+            <a:schemeClr val="lt1"/>
+          </a:fontRef>
+        </p:style>
+        <p:txBody>
+          <a:bodyPr rtlCol="0" anchor="ctr"/>
+          <a:lstStyle/>
+          <a:p>
+            <a:pPr algn="ctr"/>
+            <a:endParaRPr lang="en-US"/>
+          </a:p>
+        </p:txBody>
+      </p:sp>
+      <p:sp>
+        <p:nvSpPr>
+          <p:cNvPr id="29" name="Rectangle 28"/>
+          <p:cNvSpPr/>
+          <p:nvPr/>
+        </p:nvSpPr>
+        <p:spPr>
+          <a:xfrm>
+            <a:off x="6674408" y="1322673"/>
+            <a:ext cx="217055" cy="230909"/>
+          </a:xfrm>
+          <a:prstGeom prst="rect">
+            <a:avLst/>
+          </a:prstGeom>
+          <a:solidFill>
+            <a:schemeClr val="accent3"/>
+          </a:solidFill>
+          <a:ln>
+            <a:solidFill>
+              <a:schemeClr val="accent3">
+                <a:lumMod val="75000"/>
+              </a:schemeClr>
+            </a:solidFill>
+          </a:ln>
+        </p:spPr>
+        <p:style>
+          <a:lnRef idx="2">
+            <a:schemeClr val="accent3">
+              <a:shade val="50000"/>
+            </a:schemeClr>
+          </a:lnRef>
+          <a:fillRef idx="1">
+            <a:schemeClr val="accent3"/>
+          </a:fillRef>
+          <a:effectRef idx="0">
+            <a:schemeClr val="accent3"/>
+          </a:effectRef>
+          <a:fontRef idx="minor">
+            <a:schemeClr val="lt1"/>
+          </a:fontRef>
+        </p:style>
+        <p:txBody>
+          <a:bodyPr rtlCol="0" anchor="ctr"/>
+          <a:lstStyle/>
+          <a:p>
+            <a:pPr algn="ctr"/>
+            <a:endParaRPr lang="en-US"/>
+          </a:p>
+        </p:txBody>
+      </p:sp>
+      <p:sp>
+        <p:nvSpPr>
+          <p:cNvPr id="30" name="Rectangle 29"/>
+          <p:cNvSpPr/>
+          <p:nvPr/>
+        </p:nvSpPr>
+        <p:spPr>
+          <a:xfrm>
+            <a:off x="6891463" y="1322673"/>
+            <a:ext cx="217055" cy="230909"/>
+          </a:xfrm>
+          <a:prstGeom prst="rect">
+            <a:avLst/>
+          </a:prstGeom>
+          <a:solidFill>
+            <a:schemeClr val="accent3"/>
+          </a:solidFill>
+          <a:ln>
+            <a:solidFill>
+              <a:schemeClr val="accent3">
+                <a:lumMod val="75000"/>
+              </a:schemeClr>
+            </a:solidFill>
+          </a:ln>
+        </p:spPr>
+        <p:style>
+          <a:lnRef idx="2">
+            <a:schemeClr val="accent3">
+              <a:shade val="50000"/>
+            </a:schemeClr>
+          </a:lnRef>
+          <a:fillRef idx="1">
+            <a:schemeClr val="accent3"/>
+          </a:fillRef>
+          <a:effectRef idx="0">
+            <a:schemeClr val="accent3"/>
+          </a:effectRef>
+          <a:fontRef idx="minor">
+            <a:schemeClr val="lt1"/>
+          </a:fontRef>
+        </p:style>
+        <p:txBody>
+          <a:bodyPr rtlCol="0" anchor="ctr"/>
+          <a:lstStyle/>
+          <a:p>
+            <a:pPr algn="ctr"/>
+            <a:endParaRPr lang="en-US"/>
+          </a:p>
+        </p:txBody>
+      </p:sp>
+      <p:sp>
+        <p:nvSpPr>
+          <p:cNvPr id="31" name="Rectangle 30"/>
+          <p:cNvSpPr/>
+          <p:nvPr/>
+        </p:nvSpPr>
+        <p:spPr>
+          <a:xfrm>
+            <a:off x="5161962" y="2006148"/>
+            <a:ext cx="217055" cy="230909"/>
+          </a:xfrm>
+          <a:prstGeom prst="rect">
+            <a:avLst/>
+          </a:prstGeom>
+          <a:solidFill>
+            <a:schemeClr val="accent1">
+              <a:lumMod val="40000"/>
+              <a:lumOff val="60000"/>
+            </a:schemeClr>
+          </a:solidFill>
+          <a:ln>
+            <a:solidFill>
+              <a:schemeClr val="accent1">
+                <a:lumMod val="75000"/>
+              </a:schemeClr>
+            </a:solidFill>
+          </a:ln>
+        </p:spPr>
+        <p:style>
+          <a:lnRef idx="2">
+            <a:schemeClr val="accent3">
+              <a:shade val="50000"/>
+            </a:schemeClr>
+          </a:lnRef>
+          <a:fillRef idx="1">
+            <a:schemeClr val="accent3"/>
+          </a:fillRef>
+          <a:effectRef idx="0">
+            <a:schemeClr val="accent3"/>
+          </a:effectRef>
+          <a:fontRef idx="minor">
+            <a:schemeClr val="lt1"/>
+          </a:fontRef>
+        </p:style>
+        <p:txBody>
+          <a:bodyPr rtlCol="0" anchor="ctr"/>
+          <a:lstStyle/>
+          <a:p>
+            <a:pPr algn="ctr"/>
+            <a:endParaRPr lang="en-US"/>
+          </a:p>
+        </p:txBody>
+      </p:sp>
+      <p:sp>
+        <p:nvSpPr>
+          <p:cNvPr id="32" name="Rectangle 31"/>
+          <p:cNvSpPr/>
+          <p:nvPr/>
+        </p:nvSpPr>
+        <p:spPr>
+          <a:xfrm>
+            <a:off x="6674410" y="2006148"/>
+            <a:ext cx="217055" cy="230909"/>
+          </a:xfrm>
+          <a:prstGeom prst="rect">
+            <a:avLst/>
+          </a:prstGeom>
+          <a:solidFill>
+            <a:schemeClr val="accent1">
+              <a:lumMod val="40000"/>
+              <a:lumOff val="60000"/>
+            </a:schemeClr>
+          </a:solidFill>
+          <a:ln>
+            <a:solidFill>
+              <a:schemeClr val="accent1">
+                <a:lumMod val="75000"/>
+              </a:schemeClr>
+            </a:solidFill>
+          </a:ln>
+        </p:spPr>
+        <p:style>
+          <a:lnRef idx="2">
+            <a:schemeClr val="accent3">
+              <a:shade val="50000"/>
+            </a:schemeClr>
+          </a:lnRef>
+          <a:fillRef idx="1">
+            <a:schemeClr val="accent3"/>
+          </a:fillRef>
+          <a:effectRef idx="0">
+            <a:schemeClr val="accent3"/>
+          </a:effectRef>
+          <a:fontRef idx="minor">
+            <a:schemeClr val="lt1"/>
+          </a:fontRef>
+        </p:style>
+        <p:txBody>
+          <a:bodyPr rtlCol="0" anchor="ctr"/>
+          <a:lstStyle/>
+          <a:p>
+            <a:pPr algn="ctr"/>
+            <a:endParaRPr lang="en-US"/>
+          </a:p>
+        </p:txBody>
+      </p:sp>
+      <p:sp>
+        <p:nvSpPr>
+          <p:cNvPr id="33" name="Rectangle 32"/>
+          <p:cNvSpPr/>
+          <p:nvPr/>
+        </p:nvSpPr>
+        <p:spPr>
+          <a:xfrm>
+            <a:off x="6891465" y="2006148"/>
+            <a:ext cx="217055" cy="230909"/>
+          </a:xfrm>
+          <a:prstGeom prst="rect">
+            <a:avLst/>
+          </a:prstGeom>
+          <a:solidFill>
+            <a:schemeClr val="accent1">
+              <a:lumMod val="40000"/>
+              <a:lumOff val="60000"/>
+            </a:schemeClr>
+          </a:solidFill>
+          <a:ln>
+            <a:solidFill>
+              <a:schemeClr val="accent1">
+                <a:lumMod val="75000"/>
+              </a:schemeClr>
+            </a:solidFill>
+          </a:ln>
+        </p:spPr>
+        <p:style>
+          <a:lnRef idx="2">
+            <a:schemeClr val="accent3">
+              <a:shade val="50000"/>
+            </a:schemeClr>
+          </a:lnRef>
+          <a:fillRef idx="1">
+            <a:schemeClr val="accent3"/>
+          </a:fillRef>
+          <a:effectRef idx="0">
+            <a:schemeClr val="accent3"/>
+          </a:effectRef>
+          <a:fontRef idx="minor">
+            <a:schemeClr val="lt1"/>
+          </a:fontRef>
+        </p:style>
+        <p:txBody>
+          <a:bodyPr rtlCol="0" anchor="ctr"/>
+          <a:lstStyle/>
+          <a:p>
+            <a:pPr algn="ctr"/>
+            <a:endParaRPr lang="en-US"/>
+          </a:p>
+        </p:txBody>
+      </p:sp>
+      <p:sp>
+        <p:nvSpPr>
+          <p:cNvPr id="34" name="Rectangle 33"/>
+          <p:cNvSpPr/>
+          <p:nvPr/>
+        </p:nvSpPr>
+        <p:spPr>
+          <a:xfrm>
+            <a:off x="6891463" y="2712707"/>
+            <a:ext cx="217055" cy="230909"/>
+          </a:xfrm>
+          <a:prstGeom prst="rect">
+            <a:avLst/>
+          </a:prstGeom>
+          <a:solidFill>
+            <a:schemeClr val="bg1">
+              <a:lumMod val="75000"/>
+            </a:schemeClr>
+          </a:solidFill>
+          <a:ln>
+            <a:solidFill>
+              <a:schemeClr val="bg1">
+                <a:lumMod val="50000"/>
+              </a:schemeClr>
+            </a:solidFill>
+          </a:ln>
+        </p:spPr>
+        <p:style>
+          <a:lnRef idx="2">
+            <a:schemeClr val="accent3">
+              <a:shade val="50000"/>
+            </a:schemeClr>
+          </a:lnRef>
+          <a:fillRef idx="1">
+            <a:schemeClr val="accent3"/>
+          </a:fillRef>
+          <a:effectRef idx="0">
+            <a:schemeClr val="accent3"/>
+          </a:effectRef>
+          <a:fontRef idx="minor">
+            <a:schemeClr val="lt1"/>
+          </a:fontRef>
+        </p:style>
+        <p:txBody>
+          <a:bodyPr rtlCol="0" anchor="ctr"/>
+          <a:lstStyle/>
+          <a:p>
+            <a:pPr algn="ctr"/>
+            <a:endParaRPr lang="en-US"/>
+          </a:p>
+        </p:txBody>
+      </p:sp>
+      <p:sp>
+        <p:nvSpPr>
+          <p:cNvPr id="35" name="Rectangle 34"/>
+          <p:cNvSpPr/>
+          <p:nvPr/>
+        </p:nvSpPr>
+        <p:spPr>
+          <a:xfrm>
+            <a:off x="5161960" y="2712707"/>
+            <a:ext cx="217055" cy="230909"/>
+          </a:xfrm>
+          <a:prstGeom prst="rect">
+            <a:avLst/>
+          </a:prstGeom>
+          <a:solidFill>
+            <a:schemeClr val="bg1">
+              <a:lumMod val="75000"/>
+            </a:schemeClr>
+          </a:solidFill>
+          <a:ln>
+            <a:solidFill>
+              <a:schemeClr val="bg1">
+                <a:lumMod val="50000"/>
+              </a:schemeClr>
+            </a:solidFill>
+          </a:ln>
+        </p:spPr>
+        <p:style>
+          <a:lnRef idx="2">
+            <a:schemeClr val="accent1">
+              <a:shade val="50000"/>
+            </a:schemeClr>
+          </a:lnRef>
+          <a:fillRef idx="1">
+            <a:schemeClr val="accent1"/>
+          </a:fillRef>
+          <a:effectRef idx="0">
+            <a:schemeClr val="accent1"/>
+          </a:effectRef>
+          <a:fontRef idx="minor">
+            <a:schemeClr val="lt1"/>
+          </a:fontRef>
+        </p:style>
+        <p:txBody>
+          <a:bodyPr rtlCol="0" anchor="ctr"/>
+          <a:lstStyle/>
+          <a:p>
+            <a:pPr algn="ctr"/>
+            <a:endParaRPr lang="en-US"/>
+          </a:p>
+        </p:txBody>
+      </p:sp>
+      <p:sp>
+        <p:nvSpPr>
+          <p:cNvPr id="39" name="Rectangle 38"/>
+          <p:cNvSpPr/>
+          <p:nvPr/>
+        </p:nvSpPr>
+        <p:spPr>
+          <a:xfrm>
+            <a:off x="6240300" y="2006148"/>
+            <a:ext cx="217055" cy="230909"/>
+          </a:xfrm>
+          <a:prstGeom prst="rect">
+            <a:avLst/>
+          </a:prstGeom>
+          <a:solidFill>
+            <a:schemeClr val="accent1">
+              <a:lumMod val="40000"/>
+              <a:lumOff val="60000"/>
+            </a:schemeClr>
+          </a:solidFill>
+          <a:ln>
+            <a:solidFill>
+              <a:schemeClr val="accent1">
+                <a:lumMod val="75000"/>
+              </a:schemeClr>
+            </a:solidFill>
+          </a:ln>
+        </p:spPr>
+        <p:style>
+          <a:lnRef idx="2">
+            <a:schemeClr val="accent1">
+              <a:shade val="50000"/>
+            </a:schemeClr>
+          </a:lnRef>
+          <a:fillRef idx="1">
+            <a:schemeClr val="accent1"/>
+          </a:fillRef>
+          <a:effectRef idx="0">
+            <a:schemeClr val="accent1"/>
+          </a:effectRef>
+          <a:fontRef idx="minor">
+            <a:schemeClr val="lt1"/>
+          </a:fontRef>
+        </p:style>
+        <p:txBody>
+          <a:bodyPr rtlCol="0" anchor="ctr"/>
+          <a:lstStyle/>
+          <a:p>
+            <a:pPr algn="ctr"/>
+            <a:endParaRPr lang="en-US"/>
+          </a:p>
+        </p:txBody>
+      </p:sp>
+      <p:cxnSp>
+        <p:nvCxnSpPr>
+          <p:cNvPr id="50" name="Straight Connector 49"/>
+          <p:cNvCxnSpPr/>
+          <p:nvPr/>
+        </p:nvCxnSpPr>
+        <p:spPr>
+          <a:xfrm>
+            <a:off x="4935844" y="2472724"/>
+            <a:ext cx="2163613" cy="0"/>
+          </a:xfrm>
+          <a:prstGeom prst="line">
+            <a:avLst/>
+          </a:prstGeom>
+          <a:ln>
+            <a:solidFill>
+              <a:schemeClr val="tx1"/>
+            </a:solidFill>
+            <a:prstDash val="sysDash"/>
+          </a:ln>
+          <a:effectLst/>
+        </p:spPr>
+        <p:style>
+          <a:lnRef idx="2">
+            <a:schemeClr val="accent1"/>
+          </a:lnRef>
+          <a:fillRef idx="0">
+            <a:schemeClr val="accent1"/>
+          </a:fillRef>
+          <a:effectRef idx="1">
+            <a:schemeClr val="accent1"/>
+          </a:effectRef>
+          <a:fontRef idx="minor">
+            <a:schemeClr val="tx1"/>
+          </a:fontRef>
+        </p:style>
+      </p:cxnSp>
+      <p:sp>
+        <p:nvSpPr>
+          <p:cNvPr id="51" name="TextBox 50"/>
+          <p:cNvSpPr txBox="1"/>
+          <p:nvPr/>
+        </p:nvSpPr>
+        <p:spPr>
+          <a:xfrm>
+            <a:off x="7099457" y="2299931"/>
+            <a:ext cx="1002270" cy="307777"/>
+          </a:xfrm>
+          <a:prstGeom prst="rect">
+            <a:avLst/>
+          </a:prstGeom>
+          <a:noFill/>
+        </p:spPr>
+        <p:txBody>
+          <a:bodyPr wrap="square" rtlCol="0">
+            <a:spAutoFit/>
+          </a:bodyPr>
+          <a:lstStyle/>
+          <a:p>
+            <a:r>
+              <a:rPr lang="en-US" sz="1400" dirty="0" smtClean="0">
+                <a:latin typeface="Utopia Std"/>
+                <a:cs typeface="Utopia Std"/>
+              </a:rPr>
+              <a:t>Barrier</a:t>
+            </a:r>
+            <a:endParaRPr lang="en-US" sz="1400" dirty="0">
+              <a:latin typeface="Utopia Std"/>
+              <a:cs typeface="Utopia Std"/>
+            </a:endParaRPr>
+          </a:p>
+        </p:txBody>
+      </p:sp>
+      <p:sp>
+        <p:nvSpPr>
+          <p:cNvPr id="52" name="TextBox 51"/>
+          <p:cNvSpPr txBox="1"/>
+          <p:nvPr/>
+        </p:nvSpPr>
+        <p:spPr>
+          <a:xfrm>
+            <a:off x="7099457" y="1601329"/>
+            <a:ext cx="1002270" cy="307777"/>
+          </a:xfrm>
+          <a:prstGeom prst="rect">
+            <a:avLst/>
+          </a:prstGeom>
+          <a:noFill/>
+        </p:spPr>
+        <p:txBody>
+          <a:bodyPr wrap="square" rtlCol="0">
+            <a:spAutoFit/>
+          </a:bodyPr>
+          <a:lstStyle/>
+          <a:p>
+            <a:r>
+              <a:rPr lang="en-US" sz="1400" dirty="0" smtClean="0">
+                <a:latin typeface="Utopia Std"/>
+                <a:cs typeface="Utopia Std"/>
+              </a:rPr>
+              <a:t>Barrier</a:t>
+            </a:r>
+            <a:endParaRPr lang="en-US" sz="1400" dirty="0">
+              <a:latin typeface="Utopia Std"/>
+              <a:cs typeface="Utopia Std"/>
+            </a:endParaRPr>
+          </a:p>
+        </p:txBody>
+      </p:sp>
+      <p:sp>
+        <p:nvSpPr>
+          <p:cNvPr id="53" name="Down Arrow 52"/>
+          <p:cNvSpPr/>
+          <p:nvPr/>
+        </p:nvSpPr>
+        <p:spPr>
+          <a:xfrm>
+            <a:off x="5596072" y="1553582"/>
+            <a:ext cx="873146" cy="432628"/>
+          </a:xfrm>
+          <a:prstGeom prst="downArrow">
+            <a:avLst>
+              <a:gd name="adj1" fmla="val 68834"/>
+              <a:gd name="adj2" fmla="val 38892"/>
+            </a:avLst>
+          </a:prstGeom>
+          <a:gradFill>
+            <a:gsLst>
+              <a:gs pos="0">
+                <a:schemeClr val="tx2"/>
+              </a:gs>
+              <a:gs pos="100000">
+                <a:schemeClr val="accent3">
+                  <a:lumMod val="75000"/>
+                </a:schemeClr>
+              </a:gs>
+            </a:gsLst>
+          </a:gradFill>
+          <a:ln>
+            <a:noFill/>
+          </a:ln>
+          <a:effectLst/>
+        </p:spPr>
+        <p:style>
+          <a:lnRef idx="1">
+            <a:schemeClr val="accent1"/>
+          </a:lnRef>
+          <a:fillRef idx="3">
+            <a:schemeClr val="accent1"/>
+          </a:fillRef>
+          <a:effectRef idx="2">
+            <a:schemeClr val="accent1"/>
+          </a:effectRef>
+          <a:fontRef idx="minor">
+            <a:schemeClr val="lt1"/>
+          </a:fontRef>
+        </p:style>
+        <p:txBody>
+          <a:bodyPr rtlCol="0" anchor="ctr"/>
+          <a:lstStyle/>
+          <a:p>
+            <a:pPr algn="ctr"/>
+            <a:endParaRPr lang="en-US"/>
+          </a:p>
+        </p:txBody>
+      </p:sp>
+      <p:cxnSp>
+        <p:nvCxnSpPr>
+          <p:cNvPr id="49" name="Straight Connector 48"/>
+          <p:cNvCxnSpPr/>
+          <p:nvPr/>
+        </p:nvCxnSpPr>
+        <p:spPr>
+          <a:xfrm>
+            <a:off x="4944905" y="1771135"/>
+            <a:ext cx="2163613" cy="0"/>
+          </a:xfrm>
+          <a:prstGeom prst="line">
+            <a:avLst/>
+          </a:prstGeom>
+          <a:ln>
+            <a:solidFill>
+              <a:schemeClr val="tx1"/>
+            </a:solidFill>
+            <a:prstDash val="sysDash"/>
+          </a:ln>
+          <a:effectLst/>
+        </p:spPr>
+        <p:style>
+          <a:lnRef idx="2">
+            <a:schemeClr val="accent1"/>
+          </a:lnRef>
+          <a:fillRef idx="0">
+            <a:schemeClr val="accent1"/>
+          </a:fillRef>
+          <a:effectRef idx="1">
+            <a:schemeClr val="accent1"/>
+          </a:effectRef>
+          <a:fontRef idx="minor">
+            <a:schemeClr val="tx1"/>
+          </a:fontRef>
+        </p:style>
+      </p:cxnSp>
+      <p:sp>
+        <p:nvSpPr>
+          <p:cNvPr id="54" name="Rectangle 53"/>
+          <p:cNvSpPr/>
+          <p:nvPr/>
+        </p:nvSpPr>
+        <p:spPr>
+          <a:xfrm>
+            <a:off x="4923457" y="1992560"/>
+            <a:ext cx="1125006" cy="258133"/>
+          </a:xfrm>
+          <a:prstGeom prst="rect">
+            <a:avLst/>
+          </a:prstGeom>
+          <a:noFill/>
+          <a:ln>
+            <a:solidFill>
+              <a:schemeClr val="accent2"/>
+            </a:solidFill>
+          </a:ln>
+        </p:spPr>
+        <p:style>
+          <a:lnRef idx="2">
+            <a:schemeClr val="dk1"/>
+          </a:lnRef>
+          <a:fillRef idx="1">
+            <a:schemeClr val="lt1"/>
+          </a:fillRef>
+          <a:effectRef idx="0">
+            <a:schemeClr val="dk1"/>
+          </a:effectRef>
+          <a:fontRef idx="minor">
+            <a:schemeClr val="dk1"/>
+          </a:fontRef>
+        </p:style>
+        <p:txBody>
+          <a:bodyPr rtlCol="0" anchor="ctr"/>
+          <a:lstStyle/>
+          <a:p>
+            <a:pPr algn="ctr"/>
+            <a:endParaRPr lang="en-US"/>
+          </a:p>
+        </p:txBody>
+      </p:sp>
+      <p:sp>
+        <p:nvSpPr>
+          <p:cNvPr id="55" name="Rectangle 54"/>
+          <p:cNvSpPr/>
+          <p:nvPr/>
+        </p:nvSpPr>
+        <p:spPr>
+          <a:xfrm>
+            <a:off x="6027869" y="1992560"/>
+            <a:ext cx="1106052" cy="258133"/>
+          </a:xfrm>
+          <a:prstGeom prst="rect">
+            <a:avLst/>
+          </a:prstGeom>
+          <a:noFill/>
+          <a:ln>
+            <a:solidFill>
+              <a:schemeClr val="accent2"/>
+            </a:solidFill>
+          </a:ln>
+        </p:spPr>
+        <p:style>
+          <a:lnRef idx="2">
+            <a:schemeClr val="dk1"/>
+          </a:lnRef>
+          <a:fillRef idx="1">
+            <a:schemeClr val="lt1"/>
+          </a:fillRef>
+          <a:effectRef idx="0">
+            <a:schemeClr val="dk1"/>
+          </a:effectRef>
+          <a:fontRef idx="minor">
+            <a:schemeClr val="dk1"/>
+          </a:fontRef>
+        </p:style>
+        <p:txBody>
+          <a:bodyPr rtlCol="0" anchor="ctr"/>
+          <a:lstStyle/>
+          <a:p>
+            <a:pPr algn="ctr"/>
+            <a:endParaRPr lang="en-US"/>
+          </a:p>
+        </p:txBody>
+      </p:sp>
+      <p:sp>
+        <p:nvSpPr>
+          <p:cNvPr id="56" name="TextBox 55"/>
+          <p:cNvSpPr txBox="1"/>
+          <p:nvPr/>
+        </p:nvSpPr>
+        <p:spPr>
+          <a:xfrm>
+            <a:off x="5016074" y="2199045"/>
+            <a:ext cx="1002270" cy="215444"/>
+          </a:xfrm>
+          <a:prstGeom prst="rect">
+            <a:avLst/>
+          </a:prstGeom>
+          <a:noFill/>
+        </p:spPr>
+        <p:txBody>
+          <a:bodyPr wrap="square" rtlCol="0">
+            <a:spAutoFit/>
+          </a:bodyPr>
+          <a:lstStyle/>
+          <a:p>
+            <a:pPr algn="ctr"/>
+            <a:r>
+              <a:rPr lang="en-US" sz="800" dirty="0" smtClean="0">
+                <a:solidFill>
+                  <a:schemeClr val="accent2"/>
+                </a:solidFill>
+                <a:latin typeface="Utopia Std"/>
+                <a:cs typeface="Utopia Std"/>
+              </a:rPr>
+              <a:t>Parallel task #1</a:t>
+            </a:r>
+            <a:endParaRPr lang="en-US" sz="800" dirty="0">
+              <a:solidFill>
+                <a:schemeClr val="accent2"/>
+              </a:solidFill>
+              <a:latin typeface="Utopia Std"/>
+              <a:cs typeface="Utopia Std"/>
+            </a:endParaRPr>
+          </a:p>
+        </p:txBody>
+      </p:sp>
+      <p:sp>
+        <p:nvSpPr>
+          <p:cNvPr id="57" name="TextBox 56"/>
+          <p:cNvSpPr txBox="1"/>
+          <p:nvPr/>
+        </p:nvSpPr>
+        <p:spPr>
+          <a:xfrm>
+            <a:off x="6097187" y="2192209"/>
+            <a:ext cx="1002270" cy="215444"/>
+          </a:xfrm>
+          <a:prstGeom prst="rect">
+            <a:avLst/>
+          </a:prstGeom>
+          <a:noFill/>
+        </p:spPr>
+        <p:txBody>
+          <a:bodyPr wrap="square" rtlCol="0">
+            <a:spAutoFit/>
+          </a:bodyPr>
+          <a:lstStyle/>
+          <a:p>
+            <a:pPr algn="ctr"/>
+            <a:r>
+              <a:rPr lang="en-US" sz="800" dirty="0" smtClean="0">
+                <a:solidFill>
+                  <a:schemeClr val="accent2"/>
+                </a:solidFill>
+                <a:latin typeface="Utopia Std"/>
+                <a:cs typeface="Utopia Std"/>
+              </a:rPr>
+              <a:t>Parallel task #2</a:t>
+            </a:r>
+            <a:endParaRPr lang="en-US" sz="800" dirty="0">
+              <a:solidFill>
+                <a:schemeClr val="accent2"/>
+              </a:solidFill>
+              <a:latin typeface="Utopia Std"/>
+              <a:cs typeface="Utopia Std"/>
+            </a:endParaRPr>
+          </a:p>
+        </p:txBody>
+      </p:sp>
+      <p:sp>
+        <p:nvSpPr>
+          <p:cNvPr id="58" name="TextBox 57"/>
+          <p:cNvSpPr txBox="1"/>
+          <p:nvPr/>
+        </p:nvSpPr>
+        <p:spPr>
+          <a:xfrm>
+            <a:off x="2988553" y="1284845"/>
+            <a:ext cx="2221932" cy="276999"/>
+          </a:xfrm>
+          <a:prstGeom prst="rect">
+            <a:avLst/>
+          </a:prstGeom>
+          <a:noFill/>
+        </p:spPr>
+        <p:txBody>
+          <a:bodyPr wrap="square" rtlCol="0">
+            <a:spAutoFit/>
+          </a:bodyPr>
+          <a:lstStyle/>
+          <a:p>
+            <a:r>
+              <a:rPr lang="en-US" sz="1200" dirty="0" smtClean="0">
+                <a:latin typeface="Inconsolata"/>
+                <a:cs typeface="Inconsolata"/>
+              </a:rPr>
+              <a:t>users: </a:t>
+            </a:r>
+            <a:r>
+              <a:rPr lang="en-US" sz="1200" dirty="0" smtClean="0">
+                <a:solidFill>
+                  <a:schemeClr val="accent1"/>
+                </a:solidFill>
+                <a:latin typeface="Inconsolata"/>
+                <a:cs typeface="Inconsolata"/>
+              </a:rPr>
+              <a:t>ParVector</a:t>
+            </a:r>
+            <a:r>
+              <a:rPr lang="en-US" sz="1200" b="1" dirty="0" smtClean="0">
+                <a:latin typeface="Inconsolata"/>
+                <a:cs typeface="Inconsolata"/>
+              </a:rPr>
+              <a:t>[</a:t>
+            </a:r>
+            <a:r>
+              <a:rPr lang="en-US" sz="1200" dirty="0" smtClean="0">
+                <a:solidFill>
+                  <a:schemeClr val="accent1"/>
+                </a:solidFill>
+                <a:latin typeface="Inconsolata"/>
+                <a:cs typeface="Inconsolata"/>
+              </a:rPr>
+              <a:t>User</a:t>
+            </a:r>
+            <a:r>
+              <a:rPr lang="en-US" sz="1200" b="1" dirty="0" smtClean="0">
+                <a:latin typeface="Inconsolata"/>
+                <a:cs typeface="Inconsolata"/>
+              </a:rPr>
+              <a:t>]</a:t>
+            </a:r>
+            <a:endParaRPr lang="en-US" sz="1200" b="1" dirty="0">
+              <a:latin typeface="Inconsolata"/>
+              <a:cs typeface="Inconsolata"/>
+            </a:endParaRPr>
+          </a:p>
+        </p:txBody>
+      </p:sp>
+      <p:sp>
+        <p:nvSpPr>
+          <p:cNvPr id="59" name="TextBox 58"/>
+          <p:cNvSpPr txBox="1"/>
+          <p:nvPr/>
+        </p:nvSpPr>
+        <p:spPr>
+          <a:xfrm>
+            <a:off x="787909" y="1950601"/>
+            <a:ext cx="4205614" cy="276999"/>
+          </a:xfrm>
+          <a:prstGeom prst="rect">
+            <a:avLst/>
+          </a:prstGeom>
+          <a:noFill/>
+        </p:spPr>
+        <p:txBody>
+          <a:bodyPr wrap="square" rtlCol="0">
+            <a:spAutoFit/>
+          </a:bodyPr>
+          <a:lstStyle/>
+          <a:p>
+            <a:r>
+              <a:rPr lang="en-US" sz="1200" dirty="0" smtClean="0">
+                <a:latin typeface="Inconsolata"/>
+                <a:cs typeface="Inconsolata"/>
+              </a:rPr>
+              <a:t>users.map</a:t>
+            </a:r>
+            <a:r>
+              <a:rPr lang="en-US" sz="1200" b="1" dirty="0" smtClean="0">
+                <a:latin typeface="Inconsolata"/>
+                <a:cs typeface="Inconsolata"/>
+              </a:rPr>
+              <a:t>(</a:t>
+            </a:r>
+            <a:r>
+              <a:rPr lang="en-US" sz="1200" dirty="0" smtClean="0">
+                <a:latin typeface="Inconsolata"/>
+                <a:cs typeface="Inconsolata"/>
+              </a:rPr>
+              <a:t> user =&gt; (user.age, user.getFriends</a:t>
+            </a:r>
+            <a:r>
+              <a:rPr lang="en-US" sz="1200" b="1" dirty="0" smtClean="0">
+                <a:latin typeface="Inconsolata"/>
+                <a:cs typeface="Inconsolata"/>
+              </a:rPr>
+              <a:t>() ) )</a:t>
+            </a:r>
+            <a:endParaRPr lang="en-US" sz="1200" b="1" dirty="0">
+              <a:latin typeface="Inconsolata"/>
+              <a:cs typeface="Inconsolata"/>
+            </a:endParaRPr>
+          </a:p>
+        </p:txBody>
+      </p:sp>
+      <p:sp>
+        <p:nvSpPr>
+          <p:cNvPr id="60" name="TextBox 59"/>
+          <p:cNvSpPr txBox="1"/>
+          <p:nvPr/>
+        </p:nvSpPr>
+        <p:spPr>
+          <a:xfrm>
+            <a:off x="393718" y="2480205"/>
+            <a:ext cx="5903218" cy="830997"/>
+          </a:xfrm>
+          <a:prstGeom prst="rect">
+            <a:avLst/>
+          </a:prstGeom>
+          <a:noFill/>
+        </p:spPr>
+        <p:txBody>
+          <a:bodyPr wrap="square" rtlCol="0">
+            <a:spAutoFit/>
+          </a:bodyPr>
+          <a:lstStyle/>
+          <a:p>
+            <a:r>
+              <a:rPr lang="en-US" sz="1200" dirty="0" smtClean="0">
+                <a:latin typeface="Inconsolata"/>
+                <a:cs typeface="Inconsolata"/>
+              </a:rPr>
+              <a:t> .map </a:t>
+            </a:r>
+            <a:r>
+              <a:rPr lang="en-US" sz="1200" b="1" dirty="0" smtClean="0">
+                <a:latin typeface="Inconsolata"/>
+                <a:cs typeface="Inconsolata"/>
+              </a:rPr>
+              <a:t>{</a:t>
+            </a:r>
+          </a:p>
+          <a:p>
+            <a:r>
+              <a:rPr lang="en-US" sz="1200" dirty="0" smtClean="0">
+                <a:latin typeface="Inconsolata"/>
+                <a:cs typeface="Inconsolata"/>
+              </a:rPr>
+              <a:t>       </a:t>
+            </a:r>
+            <a:r>
+              <a:rPr lang="en-US" sz="1200" b="1" dirty="0" smtClean="0">
+                <a:latin typeface="Inconsolata"/>
+                <a:cs typeface="Inconsolata"/>
+              </a:rPr>
+              <a:t>case</a:t>
+            </a:r>
+            <a:r>
+              <a:rPr lang="en-US" sz="1200" dirty="0" smtClean="0">
+                <a:latin typeface="Inconsolata"/>
+                <a:cs typeface="Inconsolata"/>
+              </a:rPr>
+              <a:t> </a:t>
+            </a:r>
+            <a:r>
+              <a:rPr lang="en-US" sz="1200" b="1" dirty="0" smtClean="0">
+                <a:latin typeface="Inconsolata"/>
+                <a:cs typeface="Inconsolata"/>
+              </a:rPr>
+              <a:t>(</a:t>
+            </a:r>
+            <a:r>
+              <a:rPr lang="en-US" sz="1200" dirty="0" err="1" smtClean="0">
+                <a:latin typeface="Inconsolata"/>
+                <a:cs typeface="Inconsolata"/>
+              </a:rPr>
+              <a:t>userAge</a:t>
+            </a:r>
+            <a:r>
+              <a:rPr lang="en-US" sz="1200" dirty="0" smtClean="0">
+                <a:latin typeface="Inconsolata"/>
+                <a:cs typeface="Inconsolata"/>
+              </a:rPr>
+              <a:t>, friends</a:t>
+            </a:r>
+            <a:r>
+              <a:rPr lang="en-US" sz="1200" b="1" dirty="0" smtClean="0">
+                <a:latin typeface="Inconsolata"/>
+                <a:cs typeface="Inconsolata"/>
+              </a:rPr>
+              <a:t>)</a:t>
+            </a:r>
+            <a:r>
+              <a:rPr lang="en-US" sz="1200" dirty="0" smtClean="0">
+                <a:latin typeface="Inconsolata"/>
+                <a:cs typeface="Inconsolata"/>
+              </a:rPr>
+              <a:t> =&gt;</a:t>
+            </a:r>
+          </a:p>
+          <a:p>
+            <a:r>
+              <a:rPr lang="en-US" sz="1200" dirty="0" smtClean="0">
+                <a:latin typeface="Inconsolata"/>
+                <a:cs typeface="Inconsolata"/>
+              </a:rPr>
+              <a:t>         </a:t>
+            </a:r>
+            <a:r>
+              <a:rPr lang="en-US" sz="1200" dirty="0" err="1" smtClean="0">
+                <a:latin typeface="Inconsolata"/>
+                <a:cs typeface="Inconsolata"/>
+              </a:rPr>
+              <a:t>friends.filter</a:t>
+            </a:r>
+            <a:r>
+              <a:rPr lang="en-US" sz="1200" b="1" dirty="0" smtClean="0">
+                <a:latin typeface="Inconsolata"/>
+                <a:cs typeface="Inconsolata"/>
+              </a:rPr>
+              <a:t>(</a:t>
+            </a:r>
+            <a:r>
+              <a:rPr lang="en-US" sz="1200" dirty="0" smtClean="0">
+                <a:latin typeface="Inconsolata"/>
+                <a:cs typeface="Inconsolata"/>
+              </a:rPr>
+              <a:t>friend =&gt; </a:t>
+            </a:r>
+            <a:r>
+              <a:rPr lang="en-US" sz="1200" dirty="0" err="1" smtClean="0">
+                <a:latin typeface="Inconsolata"/>
+                <a:cs typeface="Inconsolata"/>
+              </a:rPr>
+              <a:t>userAge</a:t>
+            </a:r>
+            <a:r>
+              <a:rPr lang="en-US" sz="1200" dirty="0" smtClean="0">
+                <a:latin typeface="Inconsolata"/>
+                <a:cs typeface="Inconsolata"/>
+              </a:rPr>
+              <a:t> == friend.age</a:t>
+            </a:r>
+            <a:r>
+              <a:rPr lang="en-US" sz="1200" b="1" dirty="0" smtClean="0">
+                <a:latin typeface="Inconsolata"/>
+                <a:cs typeface="Inconsolata"/>
+              </a:rPr>
+              <a:t>)</a:t>
+            </a:r>
+          </a:p>
+          <a:p>
+            <a:r>
+              <a:rPr lang="en-US" sz="1200" dirty="0" smtClean="0">
+                <a:latin typeface="Inconsolata"/>
+                <a:cs typeface="Inconsolata"/>
+              </a:rPr>
+              <a:t>      </a:t>
+            </a:r>
+            <a:r>
+              <a:rPr lang="en-US" sz="1200" b="1" dirty="0" smtClean="0">
+                <a:latin typeface="Inconsolata"/>
+                <a:cs typeface="Inconsolata"/>
+              </a:rPr>
+              <a:t>}</a:t>
+            </a:r>
+            <a:endParaRPr lang="en-US" sz="1200" b="1" dirty="0">
+              <a:latin typeface="Inconsolata"/>
+              <a:cs typeface="Inconsolata"/>
+            </a:endParaRPr>
+          </a:p>
+        </p:txBody>
+      </p:sp>
+    </p:spTree>
+    <p:extLst>
+      <p:ext uri="{BB962C8B-B14F-4D97-AF65-F5344CB8AC3E}">
+        <p14:creationId xmlns:p14="http://schemas.microsoft.com/office/powerpoint/2010/main" val="3506980132"/>
       </p:ext>
     </p:extLst>
   </p:cSld>
